--- a/test.pptx
+++ b/test.pptx
@@ -118,6 +118,11 @@
       </a:defRPr>
     </a:lvl9pPr>
   </p:defaultTextStyle>
+  <p:extLst>
+    <p:ext uri="{EFAFB233-063F-42B5-8137-9DF3F51BA10A}">
+      <p15:sldGuideLst xmlns:p15="http://schemas.microsoft.com/office/powerpoint/2012/main"/>
+    </p:ext>
+  </p:extLst>
 </p:presentation>
 </file>
 
@@ -2993,6 +2998,10 @@
           <a:bodyPr/>
           <a:lstStyle/>
           <a:p>
+            <a:r>
+              <a:rPr lang="en-US" altLang="zh-TW" dirty="0" smtClean="0"/>
+              <a:t>GIT</a:t>
+            </a:r>
             <a:endParaRPr lang="zh-TW" altLang="en-US" dirty="0"/>
           </a:p>
         </p:txBody>
@@ -3012,6 +3021,10 @@
           <a:bodyPr/>
           <a:lstStyle/>
           <a:p>
+            <a:r>
+              <a:rPr lang="zh-TW" altLang="en-US" smtClean="0"/>
+              <a:t>講師李承諺</a:t>
+            </a:r>
             <a:endParaRPr lang="zh-TW" altLang="en-US" dirty="0"/>
           </a:p>
         </p:txBody>

--- a/test.pptx
+++ b/test.pptx
@@ -3000,7 +3000,11 @@
           <a:p>
             <a:r>
               <a:rPr lang="en-US" altLang="zh-TW" dirty="0" smtClean="0"/>
-              <a:t>GIT</a:t>
+              <a:t>Test</a:t>
+            </a:r>
+            <a:r>
+              <a:rPr lang="zh-TW" altLang="en-US" smtClean="0"/>
+              <a:t>分支</a:t>
             </a:r>
             <a:endParaRPr lang="zh-TW" altLang="en-US" dirty="0"/>
           </a:p>

--- a/test.pptx
+++ b/test.pptx
@@ -16,10 +16,11 @@
     <p:sldId id="260" r:id="rId10"/>
     <p:sldId id="261" r:id="rId11"/>
     <p:sldId id="266" r:id="rId12"/>
-    <p:sldId id="267" r:id="rId13"/>
-    <p:sldId id="268" r:id="rId14"/>
-    <p:sldId id="269" r:id="rId15"/>
-    <p:sldId id="270" r:id="rId16"/>
+    <p:sldId id="271" r:id="rId13"/>
+    <p:sldId id="267" r:id="rId14"/>
+    <p:sldId id="268" r:id="rId15"/>
+    <p:sldId id="269" r:id="rId16"/>
+    <p:sldId id="270" r:id="rId17"/>
   </p:sldIdLst>
   <p:sldSz cx="12192000" cy="6858000"/>
   <p:notesSz cx="6858000" cy="9144000"/>
@@ -2999,12 +3000,16 @@
           <a:lstStyle/>
           <a:p>
             <a:r>
+              <a:rPr lang="en-US" altLang="zh-TW" dirty="0" err="1" smtClean="0"/>
+              <a:t>Git</a:t>
+            </a:r>
+            <a:r>
+              <a:rPr lang="zh-TW" altLang="en-US" dirty="0" smtClean="0"/>
+              <a:t>與</a:t>
+            </a:r>
+            <a:r>
               <a:rPr lang="en-US" altLang="zh-TW" dirty="0" smtClean="0"/>
-              <a:t>Test</a:t>
-            </a:r>
-            <a:r>
-              <a:rPr lang="zh-TW" altLang="en-US" smtClean="0"/>
-              <a:t>分支</a:t>
+              <a:t>GitHub</a:t>
             </a:r>
             <a:endParaRPr lang="zh-TW" altLang="en-US" dirty="0"/>
           </a:p>
@@ -3329,109 +3334,45 @@
           <a:lstStyle/>
           <a:p>
             <a:r>
-              <a:rPr lang="en-US" altLang="zh-TW" dirty="0" err="1" smtClean="0"/>
-              <a:t>git</a:t>
-            </a:r>
-            <a:r>
-              <a:rPr lang="en-US" altLang="zh-TW" dirty="0" smtClean="0"/>
-              <a:t> branch</a:t>
-            </a:r>
-            <a:endParaRPr lang="zh-TW" altLang="en-US" dirty="0"/>
-          </a:p>
-        </p:txBody>
-      </p:sp>
-      <p:sp>
-        <p:nvSpPr>
-          <p:cNvPr id="3" name="內容版面配置區 2"/>
-          <p:cNvSpPr>
-            <a:spLocks noGrp="1"/>
-          </p:cNvSpPr>
+              <a:rPr lang="zh-TW" altLang="en-US" dirty="0"/>
+              <a:t>分支</a:t>
+            </a:r>
+          </a:p>
+        </p:txBody>
+      </p:sp>
+      <p:pic>
+        <p:nvPicPr>
+          <p:cNvPr id="4" name="內容版面配置區 3"/>
+          <p:cNvPicPr>
+            <a:picLocks noGrp="1" noChangeAspect="1"/>
+          </p:cNvPicPr>
           <p:nvPr>
             <p:ph idx="1"/>
           </p:nvPr>
-        </p:nvSpPr>
-        <p:spPr/>
-        <p:txBody>
-          <a:bodyPr/>
-          <a:lstStyle/>
-          <a:p>
-            <a:r>
-              <a:rPr lang="en-US" altLang="zh-TW" dirty="0" err="1" smtClean="0"/>
-              <a:t>git</a:t>
-            </a:r>
-            <a:r>
-              <a:rPr lang="en-US" altLang="zh-TW" dirty="0" smtClean="0"/>
-              <a:t> branch</a:t>
-            </a:r>
-            <a:r>
-              <a:rPr lang="zh-TW" altLang="en-US" dirty="0" smtClean="0"/>
-              <a:t> </a:t>
-            </a:r>
-            <a:r>
-              <a:rPr lang="en-US" altLang="zh-TW" dirty="0" smtClean="0"/>
-              <a:t>(</a:t>
-            </a:r>
-            <a:r>
-              <a:rPr lang="zh-TW" altLang="en-US" dirty="0" smtClean="0"/>
-              <a:t>查看現有分支</a:t>
-            </a:r>
-            <a:r>
-              <a:rPr lang="en-US" altLang="zh-TW" dirty="0" smtClean="0"/>
-              <a:t>)</a:t>
-            </a:r>
-          </a:p>
-          <a:p>
-            <a:r>
-              <a:rPr lang="en-US" altLang="zh-TW" dirty="0" err="1" smtClean="0"/>
-              <a:t>git</a:t>
-            </a:r>
-            <a:r>
-              <a:rPr lang="en-US" altLang="zh-TW" dirty="0" smtClean="0"/>
-              <a:t> branch</a:t>
-            </a:r>
-            <a:r>
-              <a:rPr lang="zh-TW" altLang="en-US" dirty="0" smtClean="0"/>
-              <a:t> </a:t>
-            </a:r>
-            <a:r>
-              <a:rPr lang="en-US" altLang="zh-TW" dirty="0" smtClean="0"/>
-              <a:t>“</a:t>
-            </a:r>
-            <a:r>
-              <a:rPr lang="zh-TW" altLang="en-US" dirty="0" smtClean="0"/>
-              <a:t>新分支名稱</a:t>
-            </a:r>
-            <a:r>
-              <a:rPr lang="en-US" altLang="zh-TW" dirty="0" smtClean="0"/>
-              <a:t>”</a:t>
-            </a:r>
-            <a:r>
-              <a:rPr lang="zh-TW" altLang="en-US" dirty="0" smtClean="0"/>
-              <a:t> </a:t>
-            </a:r>
-            <a:r>
-              <a:rPr lang="en-US" altLang="zh-TW" dirty="0" smtClean="0"/>
-              <a:t>(</a:t>
-            </a:r>
-            <a:r>
-              <a:rPr lang="zh-TW" altLang="en-US" dirty="0" smtClean="0"/>
-              <a:t>建立新分支</a:t>
-            </a:r>
-            <a:r>
-              <a:rPr lang="en-US" altLang="zh-TW" dirty="0" smtClean="0"/>
-              <a:t>)</a:t>
-            </a:r>
-            <a:endParaRPr lang="zh-TW" altLang="en-US" dirty="0" smtClean="0"/>
-          </a:p>
-          <a:p>
-            <a:endParaRPr lang="zh-TW" altLang="en-US" dirty="0"/>
-          </a:p>
-        </p:txBody>
-      </p:sp>
+        </p:nvPicPr>
+        <p:blipFill>
+          <a:blip r:embed="rId2">
+            <a:extLst>
+              <a:ext uri="{28A0092B-C50C-407E-A947-70E740481C1C}">
+                <a14:useLocalDpi xmlns:a14="http://schemas.microsoft.com/office/drawing/2010/main" val="0"/>
+              </a:ext>
+            </a:extLst>
+          </a:blip>
+          <a:stretch>
+            <a:fillRect/>
+          </a:stretch>
+        </p:blipFill>
+        <p:spPr>
+          <a:xfrm>
+            <a:off x="1907329" y="1825625"/>
+            <a:ext cx="8377342" cy="4351338"/>
+          </a:xfrm>
+        </p:spPr>
+      </p:pic>
     </p:spTree>
     <p:extLst>
       <p:ext uri="{BB962C8B-B14F-4D97-AF65-F5344CB8AC3E}">
-        <p14:creationId xmlns:p14="http://schemas.microsoft.com/office/powerpoint/2010/main" val="3900507058"/>
+        <p14:creationId xmlns:p14="http://schemas.microsoft.com/office/powerpoint/2010/main" val="4207092178"/>
       </p:ext>
     </p:extLst>
   </p:cSld>
@@ -3474,35 +3415,39 @@
           <a:lstStyle/>
           <a:p>
             <a:r>
-              <a:rPr lang="zh-TW" altLang="en-US" dirty="0" smtClean="0"/>
-              <a:t>切換分支</a:t>
-            </a:r>
-            <a:endParaRPr lang="zh-TW" altLang="en-US" dirty="0"/>
-          </a:p>
-        </p:txBody>
-      </p:sp>
-      <p:sp>
-        <p:nvSpPr>
-          <p:cNvPr id="3" name="內容版面配置區 2"/>
-          <p:cNvSpPr>
-            <a:spLocks noGrp="1"/>
-          </p:cNvSpPr>
-          <p:nvPr>
-            <p:ph idx="1"/>
-          </p:nvPr>
-        </p:nvSpPr>
-        <p:spPr/>
-        <p:txBody>
-          <a:bodyPr/>
-          <a:lstStyle/>
-          <a:p>
-            <a:r>
               <a:rPr lang="en-US" altLang="zh-TW" dirty="0" err="1" smtClean="0"/>
               <a:t>git</a:t>
             </a:r>
             <a:r>
               <a:rPr lang="en-US" altLang="zh-TW" dirty="0" smtClean="0"/>
-              <a:t> checkout</a:t>
+              <a:t> branch</a:t>
+            </a:r>
+            <a:endParaRPr lang="zh-TW" altLang="en-US" dirty="0"/>
+          </a:p>
+        </p:txBody>
+      </p:sp>
+      <p:sp>
+        <p:nvSpPr>
+          <p:cNvPr id="3" name="內容版面配置區 2"/>
+          <p:cNvSpPr>
+            <a:spLocks noGrp="1"/>
+          </p:cNvSpPr>
+          <p:nvPr>
+            <p:ph idx="1"/>
+          </p:nvPr>
+        </p:nvSpPr>
+        <p:spPr/>
+        <p:txBody>
+          <a:bodyPr/>
+          <a:lstStyle/>
+          <a:p>
+            <a:r>
+              <a:rPr lang="en-US" altLang="zh-TW" dirty="0" err="1" smtClean="0"/>
+              <a:t>git</a:t>
+            </a:r>
+            <a:r>
+              <a:rPr lang="en-US" altLang="zh-TW" dirty="0" smtClean="0"/>
+              <a:t> branch</a:t>
             </a:r>
             <a:r>
               <a:rPr lang="zh-TW" altLang="en-US" dirty="0" smtClean="0"/>
@@ -3510,16 +3455,61 @@
             </a:r>
             <a:r>
               <a:rPr lang="en-US" altLang="zh-TW" dirty="0" smtClean="0"/>
+              <a:t>(</a:t>
+            </a:r>
+            <a:r>
+              <a:rPr lang="zh-TW" altLang="en-US" dirty="0" smtClean="0"/>
+              <a:t>查看現有分支</a:t>
+            </a:r>
+            <a:r>
+              <a:rPr lang="en-US" altLang="zh-TW" dirty="0" smtClean="0"/>
+              <a:t>)</a:t>
+            </a:r>
+          </a:p>
+          <a:p>
+            <a:r>
+              <a:rPr lang="en-US" altLang="zh-TW" dirty="0" err="1" smtClean="0"/>
+              <a:t>git</a:t>
+            </a:r>
+            <a:r>
+              <a:rPr lang="en-US" altLang="zh-TW" dirty="0" smtClean="0"/>
+              <a:t> branch</a:t>
+            </a:r>
+            <a:r>
+              <a:rPr lang="zh-TW" altLang="en-US" dirty="0" smtClean="0"/>
+              <a:t> </a:t>
+            </a:r>
+            <a:r>
+              <a:rPr lang="en-US" altLang="zh-TW" dirty="0" smtClean="0"/>
               <a:t>“</a:t>
             </a:r>
             <a:r>
               <a:rPr lang="zh-TW" altLang="en-US" dirty="0" smtClean="0"/>
-              <a:t>分支名稱</a:t>
+              <a:t>新分支名稱</a:t>
             </a:r>
             <a:r>
               <a:rPr lang="en-US" altLang="zh-TW" dirty="0" smtClean="0"/>
               <a:t>”</a:t>
             </a:r>
+            <a:r>
+              <a:rPr lang="zh-TW" altLang="en-US" dirty="0" smtClean="0"/>
+              <a:t> </a:t>
+            </a:r>
+            <a:r>
+              <a:rPr lang="en-US" altLang="zh-TW" dirty="0" smtClean="0"/>
+              <a:t>(</a:t>
+            </a:r>
+            <a:r>
+              <a:rPr lang="zh-TW" altLang="en-US" dirty="0" smtClean="0"/>
+              <a:t>建立新分支</a:t>
+            </a:r>
+            <a:r>
+              <a:rPr lang="en-US" altLang="zh-TW" dirty="0" smtClean="0"/>
+              <a:t>)</a:t>
+            </a:r>
+            <a:endParaRPr lang="zh-TW" altLang="en-US" dirty="0" smtClean="0"/>
+          </a:p>
+          <a:p>
             <a:endParaRPr lang="zh-TW" altLang="en-US" dirty="0"/>
           </a:p>
         </p:txBody>
@@ -3527,7 +3517,7 @@
     </p:spTree>
     <p:extLst>
       <p:ext uri="{BB962C8B-B14F-4D97-AF65-F5344CB8AC3E}">
-        <p14:creationId xmlns:p14="http://schemas.microsoft.com/office/powerpoint/2010/main" val="2752644218"/>
+        <p14:creationId xmlns:p14="http://schemas.microsoft.com/office/powerpoint/2010/main" val="3900507058"/>
       </p:ext>
     </p:extLst>
   </p:cSld>
@@ -3571,6 +3561,102 @@
           <a:p>
             <a:r>
               <a:rPr lang="zh-TW" altLang="en-US" dirty="0" smtClean="0"/>
+              <a:t>切換分支</a:t>
+            </a:r>
+            <a:endParaRPr lang="zh-TW" altLang="en-US" dirty="0"/>
+          </a:p>
+        </p:txBody>
+      </p:sp>
+      <p:sp>
+        <p:nvSpPr>
+          <p:cNvPr id="3" name="內容版面配置區 2"/>
+          <p:cNvSpPr>
+            <a:spLocks noGrp="1"/>
+          </p:cNvSpPr>
+          <p:nvPr>
+            <p:ph idx="1"/>
+          </p:nvPr>
+        </p:nvSpPr>
+        <p:spPr/>
+        <p:txBody>
+          <a:bodyPr/>
+          <a:lstStyle/>
+          <a:p>
+            <a:r>
+              <a:rPr lang="en-US" altLang="zh-TW" dirty="0" err="1" smtClean="0"/>
+              <a:t>git</a:t>
+            </a:r>
+            <a:r>
+              <a:rPr lang="en-US" altLang="zh-TW" dirty="0" smtClean="0"/>
+              <a:t> checkout</a:t>
+            </a:r>
+            <a:r>
+              <a:rPr lang="zh-TW" altLang="en-US" dirty="0" smtClean="0"/>
+              <a:t> </a:t>
+            </a:r>
+            <a:r>
+              <a:rPr lang="en-US" altLang="zh-TW" dirty="0" smtClean="0"/>
+              <a:t>“</a:t>
+            </a:r>
+            <a:r>
+              <a:rPr lang="zh-TW" altLang="en-US" dirty="0" smtClean="0"/>
+              <a:t>分支名稱</a:t>
+            </a:r>
+            <a:r>
+              <a:rPr lang="en-US" altLang="zh-TW" dirty="0" smtClean="0"/>
+              <a:t>”</a:t>
+            </a:r>
+            <a:endParaRPr lang="zh-TW" altLang="en-US" dirty="0"/>
+          </a:p>
+        </p:txBody>
+      </p:sp>
+    </p:spTree>
+    <p:extLst>
+      <p:ext uri="{BB962C8B-B14F-4D97-AF65-F5344CB8AC3E}">
+        <p14:creationId xmlns:p14="http://schemas.microsoft.com/office/powerpoint/2010/main" val="2752644218"/>
+      </p:ext>
+    </p:extLst>
+  </p:cSld>
+  <p:clrMapOvr>
+    <a:masterClrMapping/>
+  </p:clrMapOvr>
+</p:sld>
+</file>
+
+<file path=ppt/slides/slide15.xml><?xml version="1.0" encoding="utf-8"?>
+<p:sld xmlns:a="http://schemas.openxmlformats.org/drawingml/2006/main" xmlns:r="http://schemas.openxmlformats.org/officeDocument/2006/relationships" xmlns:p="http://schemas.openxmlformats.org/presentationml/2006/main">
+  <p:cSld>
+    <p:spTree>
+      <p:nvGrpSpPr>
+        <p:cNvPr id="1" name=""/>
+        <p:cNvGrpSpPr/>
+        <p:nvPr/>
+      </p:nvGrpSpPr>
+      <p:grpSpPr>
+        <a:xfrm>
+          <a:off x="0" y="0"/>
+          <a:ext cx="0" cy="0"/>
+          <a:chOff x="0" y="0"/>
+          <a:chExt cx="0" cy="0"/>
+        </a:xfrm>
+      </p:grpSpPr>
+      <p:sp>
+        <p:nvSpPr>
+          <p:cNvPr id="2" name="標題 1"/>
+          <p:cNvSpPr>
+            <a:spLocks noGrp="1"/>
+          </p:cNvSpPr>
+          <p:nvPr>
+            <p:ph type="title"/>
+          </p:nvPr>
+        </p:nvSpPr>
+        <p:spPr/>
+        <p:txBody>
+          <a:bodyPr/>
+          <a:lstStyle/>
+          <a:p>
+            <a:r>
+              <a:rPr lang="zh-TW" altLang="en-US" dirty="0" smtClean="0"/>
               <a:t>合併分支 </a:t>
             </a:r>
             <a:r>
@@ -3664,7 +3750,7 @@
 </p:sld>
 </file>
 
-<file path=ppt/slides/slide15.xml><?xml version="1.0" encoding="utf-8"?>
+<file path=ppt/slides/slide16.xml><?xml version="1.0" encoding="utf-8"?>
 <p:sld xmlns:a="http://schemas.openxmlformats.org/drawingml/2006/main" xmlns:r="http://schemas.openxmlformats.org/officeDocument/2006/relationships" xmlns:p="http://schemas.openxmlformats.org/presentationml/2006/main">
   <p:cSld>
     <p:spTree>

--- a/test.pptx
+++ b/test.pptx
@@ -258,7 +258,7 @@
           <a:p>
             <a:fld id="{A7B6EA28-1AA0-42DB-BC2E-3A1A317DF346}" type="datetimeFigureOut">
               <a:rPr lang="zh-TW" altLang="en-US" smtClean="0"/>
-              <a:t>2021/9/23</a:t>
+              <a:t>2021/9/28</a:t>
             </a:fld>
             <a:endParaRPr lang="zh-TW" altLang="en-US"/>
           </a:p>
@@ -428,7 +428,7 @@
           <a:p>
             <a:fld id="{A7B6EA28-1AA0-42DB-BC2E-3A1A317DF346}" type="datetimeFigureOut">
               <a:rPr lang="zh-TW" altLang="en-US" smtClean="0"/>
-              <a:t>2021/9/23</a:t>
+              <a:t>2021/9/28</a:t>
             </a:fld>
             <a:endParaRPr lang="zh-TW" altLang="en-US"/>
           </a:p>
@@ -608,7 +608,7 @@
           <a:p>
             <a:fld id="{A7B6EA28-1AA0-42DB-BC2E-3A1A317DF346}" type="datetimeFigureOut">
               <a:rPr lang="zh-TW" altLang="en-US" smtClean="0"/>
-              <a:t>2021/9/23</a:t>
+              <a:t>2021/9/28</a:t>
             </a:fld>
             <a:endParaRPr lang="zh-TW" altLang="en-US"/>
           </a:p>
@@ -778,7 +778,7 @@
           <a:p>
             <a:fld id="{A7B6EA28-1AA0-42DB-BC2E-3A1A317DF346}" type="datetimeFigureOut">
               <a:rPr lang="zh-TW" altLang="en-US" smtClean="0"/>
-              <a:t>2021/9/23</a:t>
+              <a:t>2021/9/28</a:t>
             </a:fld>
             <a:endParaRPr lang="zh-TW" altLang="en-US"/>
           </a:p>
@@ -1024,7 +1024,7 @@
           <a:p>
             <a:fld id="{A7B6EA28-1AA0-42DB-BC2E-3A1A317DF346}" type="datetimeFigureOut">
               <a:rPr lang="zh-TW" altLang="en-US" smtClean="0"/>
-              <a:t>2021/9/23</a:t>
+              <a:t>2021/9/28</a:t>
             </a:fld>
             <a:endParaRPr lang="zh-TW" altLang="en-US"/>
           </a:p>
@@ -1256,7 +1256,7 @@
           <a:p>
             <a:fld id="{A7B6EA28-1AA0-42DB-BC2E-3A1A317DF346}" type="datetimeFigureOut">
               <a:rPr lang="zh-TW" altLang="en-US" smtClean="0"/>
-              <a:t>2021/9/23</a:t>
+              <a:t>2021/9/28</a:t>
             </a:fld>
             <a:endParaRPr lang="zh-TW" altLang="en-US"/>
           </a:p>
@@ -1623,7 +1623,7 @@
           <a:p>
             <a:fld id="{A7B6EA28-1AA0-42DB-BC2E-3A1A317DF346}" type="datetimeFigureOut">
               <a:rPr lang="zh-TW" altLang="en-US" smtClean="0"/>
-              <a:t>2021/9/23</a:t>
+              <a:t>2021/9/28</a:t>
             </a:fld>
             <a:endParaRPr lang="zh-TW" altLang="en-US"/>
           </a:p>
@@ -1741,7 +1741,7 @@
           <a:p>
             <a:fld id="{A7B6EA28-1AA0-42DB-BC2E-3A1A317DF346}" type="datetimeFigureOut">
               <a:rPr lang="zh-TW" altLang="en-US" smtClean="0"/>
-              <a:t>2021/9/23</a:t>
+              <a:t>2021/9/28</a:t>
             </a:fld>
             <a:endParaRPr lang="zh-TW" altLang="en-US"/>
           </a:p>
@@ -1836,7 +1836,7 @@
           <a:p>
             <a:fld id="{A7B6EA28-1AA0-42DB-BC2E-3A1A317DF346}" type="datetimeFigureOut">
               <a:rPr lang="zh-TW" altLang="en-US" smtClean="0"/>
-              <a:t>2021/9/23</a:t>
+              <a:t>2021/9/28</a:t>
             </a:fld>
             <a:endParaRPr lang="zh-TW" altLang="en-US"/>
           </a:p>
@@ -2113,7 +2113,7 @@
           <a:p>
             <a:fld id="{A7B6EA28-1AA0-42DB-BC2E-3A1A317DF346}" type="datetimeFigureOut">
               <a:rPr lang="zh-TW" altLang="en-US" smtClean="0"/>
-              <a:t>2021/9/23</a:t>
+              <a:t>2021/9/28</a:t>
             </a:fld>
             <a:endParaRPr lang="zh-TW" altLang="en-US"/>
           </a:p>
@@ -2366,7 +2366,7 @@
           <a:p>
             <a:fld id="{A7B6EA28-1AA0-42DB-BC2E-3A1A317DF346}" type="datetimeFigureOut">
               <a:rPr lang="zh-TW" altLang="en-US" smtClean="0"/>
-              <a:t>2021/9/23</a:t>
+              <a:t>2021/9/28</a:t>
             </a:fld>
             <a:endParaRPr lang="zh-TW" altLang="en-US"/>
           </a:p>
@@ -2579,7 +2579,7 @@
           <a:p>
             <a:fld id="{A7B6EA28-1AA0-42DB-BC2E-3A1A317DF346}" type="datetimeFigureOut">
               <a:rPr lang="zh-TW" altLang="en-US" smtClean="0"/>
-              <a:t>2021/9/23</a:t>
+              <a:t>2021/9/28</a:t>
             </a:fld>
             <a:endParaRPr lang="zh-TW" altLang="en-US"/>
           </a:p>
@@ -4029,7 +4029,7 @@
             </a:r>
             <a:r>
               <a:rPr lang="zh-TW" altLang="en-US" dirty="0" smtClean="0"/>
-              <a:t>可更方便比較不同版本的程式碼差異 </a:t>
+              <a:t>可在專案中隨時切換版本，不須同時創立多個檔案</a:t>
             </a:r>
             <a:endParaRPr lang="en-US" altLang="zh-TW" dirty="0" smtClean="0"/>
           </a:p>
@@ -4038,26 +4038,38 @@
               <a:buNone/>
             </a:pPr>
             <a:r>
-              <a:rPr lang="en-US" altLang="zh-TW" dirty="0" smtClean="0"/>
-              <a:t>• </a:t>
-            </a:r>
-            <a:r>
               <a:rPr lang="zh-TW" altLang="en-US" dirty="0" smtClean="0"/>
-              <a:t>可在專案中隨時切換版本，不須同時創立多個檔案</a:t>
-            </a:r>
-            <a:endParaRPr lang="en-US" altLang="zh-TW" dirty="0"/>
+              <a:t>可以備份檔案</a:t>
+            </a:r>
+            <a:endParaRPr lang="en-US" altLang="zh-TW" dirty="0" smtClean="0"/>
           </a:p>
           <a:p>
             <a:pPr marL="0" indent="0">
               <a:buNone/>
             </a:pPr>
             <a:r>
-              <a:rPr lang="en-US" altLang="zh-TW" dirty="0" smtClean="0"/>
-              <a:t>• </a:t>
+              <a:rPr lang="zh-TW" altLang="en-US" dirty="0"/>
+              <a:t>可以多人</a:t>
+            </a:r>
+            <a:r>
+              <a:rPr lang="zh-TW" altLang="en-US"/>
+              <a:t>合作</a:t>
+            </a:r>
+            <a:r>
+              <a:rPr lang="zh-TW" altLang="en-US" smtClean="0"/>
+              <a:t>開發</a:t>
+            </a:r>
+            <a:r>
+              <a:rPr lang="zh-TW" altLang="en-US" dirty="0"/>
+              <a:t>，</a:t>
+            </a:r>
+            <a:r>
+              <a:rPr lang="zh-TW" altLang="en-US" smtClean="0"/>
+              <a:t>分為</a:t>
             </a:r>
             <a:r>
               <a:rPr lang="zh-TW" altLang="en-US" dirty="0" smtClean="0"/>
-              <a:t>可分為本地和遠端，開發者可在本地開發並推到遠端進行整合</a:t>
+              <a:t>本地和遠端，開發者可在本地開發並推到遠端進行整合</a:t>
             </a:r>
             <a:endParaRPr lang="zh-TW" altLang="en-US" dirty="0"/>
           </a:p>
@@ -4439,6 +4451,12 @@
             <a:pPr marL="0" indent="0">
               <a:buNone/>
             </a:pPr>
+            <a:endParaRPr lang="en-US" altLang="zh-TW" dirty="0" smtClean="0"/>
+          </a:p>
+          <a:p>
+            <a:pPr marL="0" indent="0">
+              <a:buNone/>
+            </a:pPr>
             <a:r>
               <a:rPr lang="en-US" altLang="zh-TW" dirty="0" err="1" smtClean="0"/>
               <a:t>Git</a:t>
@@ -4449,7 +4467,11 @@
             </a:r>
             <a:r>
               <a:rPr lang="zh-TW" altLang="en-US" dirty="0" smtClean="0"/>
-              <a:t>：是版本控制軟體，可獨立使用。</a:t>
+              <a:t>：是版本控制</a:t>
+            </a:r>
+            <a:r>
+              <a:rPr lang="zh-TW" altLang="en-US" dirty="0" smtClean="0"/>
+              <a:t>軟體。</a:t>
             </a:r>
             <a:endParaRPr lang="en-US" altLang="zh-TW" dirty="0" smtClean="0"/>
           </a:p>
@@ -4485,6 +4507,12 @@
               <a:rPr lang="zh-TW" altLang="en-US" dirty="0" smtClean="0"/>
               <a:t>。</a:t>
             </a:r>
+            <a:endParaRPr lang="en-US" altLang="zh-TW" smtClean="0"/>
+          </a:p>
+          <a:p>
+            <a:pPr marL="0" indent="0">
+              <a:buNone/>
+            </a:pPr>
             <a:endParaRPr lang="zh-TW" altLang="en-US" dirty="0"/>
           </a:p>
         </p:txBody>

--- a/test.pptx
+++ b/test.pptx
@@ -21,6 +21,7 @@
     <p:sldId id="268" r:id="rId15"/>
     <p:sldId id="269" r:id="rId16"/>
     <p:sldId id="270" r:id="rId17"/>
+    <p:sldId id="272" r:id="rId18"/>
   </p:sldIdLst>
   <p:sldSz cx="12192000" cy="6858000"/>
   <p:notesSz cx="6858000" cy="9144000"/>
@@ -258,7 +259,7 @@
           <a:p>
             <a:fld id="{A7B6EA28-1AA0-42DB-BC2E-3A1A317DF346}" type="datetimeFigureOut">
               <a:rPr lang="zh-TW" altLang="en-US" smtClean="0"/>
-              <a:t>2021/9/28</a:t>
+              <a:t>2021/10/4</a:t>
             </a:fld>
             <a:endParaRPr lang="zh-TW" altLang="en-US"/>
           </a:p>
@@ -428,7 +429,7 @@
           <a:p>
             <a:fld id="{A7B6EA28-1AA0-42DB-BC2E-3A1A317DF346}" type="datetimeFigureOut">
               <a:rPr lang="zh-TW" altLang="en-US" smtClean="0"/>
-              <a:t>2021/9/28</a:t>
+              <a:t>2021/10/4</a:t>
             </a:fld>
             <a:endParaRPr lang="zh-TW" altLang="en-US"/>
           </a:p>
@@ -608,7 +609,7 @@
           <a:p>
             <a:fld id="{A7B6EA28-1AA0-42DB-BC2E-3A1A317DF346}" type="datetimeFigureOut">
               <a:rPr lang="zh-TW" altLang="en-US" smtClean="0"/>
-              <a:t>2021/9/28</a:t>
+              <a:t>2021/10/4</a:t>
             </a:fld>
             <a:endParaRPr lang="zh-TW" altLang="en-US"/>
           </a:p>
@@ -778,7 +779,7 @@
           <a:p>
             <a:fld id="{A7B6EA28-1AA0-42DB-BC2E-3A1A317DF346}" type="datetimeFigureOut">
               <a:rPr lang="zh-TW" altLang="en-US" smtClean="0"/>
-              <a:t>2021/9/28</a:t>
+              <a:t>2021/10/4</a:t>
             </a:fld>
             <a:endParaRPr lang="zh-TW" altLang="en-US"/>
           </a:p>
@@ -1024,7 +1025,7 @@
           <a:p>
             <a:fld id="{A7B6EA28-1AA0-42DB-BC2E-3A1A317DF346}" type="datetimeFigureOut">
               <a:rPr lang="zh-TW" altLang="en-US" smtClean="0"/>
-              <a:t>2021/9/28</a:t>
+              <a:t>2021/10/4</a:t>
             </a:fld>
             <a:endParaRPr lang="zh-TW" altLang="en-US"/>
           </a:p>
@@ -1256,7 +1257,7 @@
           <a:p>
             <a:fld id="{A7B6EA28-1AA0-42DB-BC2E-3A1A317DF346}" type="datetimeFigureOut">
               <a:rPr lang="zh-TW" altLang="en-US" smtClean="0"/>
-              <a:t>2021/9/28</a:t>
+              <a:t>2021/10/4</a:t>
             </a:fld>
             <a:endParaRPr lang="zh-TW" altLang="en-US"/>
           </a:p>
@@ -1623,7 +1624,7 @@
           <a:p>
             <a:fld id="{A7B6EA28-1AA0-42DB-BC2E-3A1A317DF346}" type="datetimeFigureOut">
               <a:rPr lang="zh-TW" altLang="en-US" smtClean="0"/>
-              <a:t>2021/9/28</a:t>
+              <a:t>2021/10/4</a:t>
             </a:fld>
             <a:endParaRPr lang="zh-TW" altLang="en-US"/>
           </a:p>
@@ -1741,7 +1742,7 @@
           <a:p>
             <a:fld id="{A7B6EA28-1AA0-42DB-BC2E-3A1A317DF346}" type="datetimeFigureOut">
               <a:rPr lang="zh-TW" altLang="en-US" smtClean="0"/>
-              <a:t>2021/9/28</a:t>
+              <a:t>2021/10/4</a:t>
             </a:fld>
             <a:endParaRPr lang="zh-TW" altLang="en-US"/>
           </a:p>
@@ -1836,7 +1837,7 @@
           <a:p>
             <a:fld id="{A7B6EA28-1AA0-42DB-BC2E-3A1A317DF346}" type="datetimeFigureOut">
               <a:rPr lang="zh-TW" altLang="en-US" smtClean="0"/>
-              <a:t>2021/9/28</a:t>
+              <a:t>2021/10/4</a:t>
             </a:fld>
             <a:endParaRPr lang="zh-TW" altLang="en-US"/>
           </a:p>
@@ -2113,7 +2114,7 @@
           <a:p>
             <a:fld id="{A7B6EA28-1AA0-42DB-BC2E-3A1A317DF346}" type="datetimeFigureOut">
               <a:rPr lang="zh-TW" altLang="en-US" smtClean="0"/>
-              <a:t>2021/9/28</a:t>
+              <a:t>2021/10/4</a:t>
             </a:fld>
             <a:endParaRPr lang="zh-TW" altLang="en-US"/>
           </a:p>
@@ -2366,7 +2367,7 @@
           <a:p>
             <a:fld id="{A7B6EA28-1AA0-42DB-BC2E-3A1A317DF346}" type="datetimeFigureOut">
               <a:rPr lang="zh-TW" altLang="en-US" smtClean="0"/>
-              <a:t>2021/9/28</a:t>
+              <a:t>2021/10/4</a:t>
             </a:fld>
             <a:endParaRPr lang="zh-TW" altLang="en-US"/>
           </a:p>
@@ -2579,7 +2580,7 @@
           <a:p>
             <a:fld id="{A7B6EA28-1AA0-42DB-BC2E-3A1A317DF346}" type="datetimeFigureOut">
               <a:rPr lang="zh-TW" altLang="en-US" smtClean="0"/>
-              <a:t>2021/9/28</a:t>
+              <a:t>2021/10/4</a:t>
             </a:fld>
             <a:endParaRPr lang="zh-TW" altLang="en-US"/>
           </a:p>
@@ -3838,6 +3839,176 @@
 </p:sld>
 </file>
 
+<file path=ppt/slides/slide17.xml><?xml version="1.0" encoding="utf-8"?>
+<p:sld xmlns:a="http://schemas.openxmlformats.org/drawingml/2006/main" xmlns:r="http://schemas.openxmlformats.org/officeDocument/2006/relationships" xmlns:p="http://schemas.openxmlformats.org/presentationml/2006/main">
+  <p:cSld>
+    <p:spTree>
+      <p:nvGrpSpPr>
+        <p:cNvPr id="1" name=""/>
+        <p:cNvGrpSpPr/>
+        <p:nvPr/>
+      </p:nvGrpSpPr>
+      <p:grpSpPr>
+        <a:xfrm>
+          <a:off x="0" y="0"/>
+          <a:ext cx="0" cy="0"/>
+          <a:chOff x="0" y="0"/>
+          <a:chExt cx="0" cy="0"/>
+        </a:xfrm>
+      </p:grpSpPr>
+      <p:sp>
+        <p:nvSpPr>
+          <p:cNvPr id="2" name="標題 1"/>
+          <p:cNvSpPr>
+            <a:spLocks noGrp="1"/>
+          </p:cNvSpPr>
+          <p:nvPr>
+            <p:ph type="title"/>
+          </p:nvPr>
+        </p:nvSpPr>
+        <p:spPr/>
+        <p:txBody>
+          <a:bodyPr/>
+          <a:lstStyle/>
+          <a:p>
+            <a:r>
+              <a:rPr lang="en-US" altLang="zh-TW" dirty="0" smtClean="0"/>
+              <a:t>.</a:t>
+            </a:r>
+            <a:r>
+              <a:rPr lang="en-US" altLang="zh-TW" dirty="0"/>
+              <a:t> </a:t>
+            </a:r>
+            <a:r>
+              <a:rPr lang="en-US" altLang="zh-TW" dirty="0" err="1"/>
+              <a:t>gitignore</a:t>
+            </a:r>
+            <a:r>
+              <a:rPr lang="en-US" altLang="zh-TW" dirty="0"/>
+              <a:t> </a:t>
+            </a:r>
+            <a:r>
+              <a:rPr lang="zh-TW" altLang="en-US" dirty="0" smtClean="0"/>
+              <a:t>文件</a:t>
+            </a:r>
+            <a:r>
+              <a:rPr lang="en-US" altLang="zh-TW" dirty="0" smtClean="0"/>
+              <a:t>(</a:t>
+            </a:r>
+            <a:r>
+              <a:rPr lang="zh-TW" altLang="en-US" dirty="0" smtClean="0"/>
+              <a:t>加在上傳至</a:t>
+            </a:r>
+            <a:r>
+              <a:rPr lang="en-US" altLang="zh-TW" dirty="0" err="1" smtClean="0"/>
+              <a:t>github</a:t>
+            </a:r>
+            <a:r>
+              <a:rPr lang="zh-TW" altLang="en-US" dirty="0" smtClean="0"/>
+              <a:t> 下一頁</a:t>
+            </a:r>
+            <a:r>
+              <a:rPr lang="en-US" altLang="zh-TW" smtClean="0"/>
+              <a:t>)</a:t>
+            </a:r>
+            <a:endParaRPr lang="zh-TW" altLang="en-US" dirty="0"/>
+          </a:p>
+        </p:txBody>
+      </p:sp>
+      <p:sp>
+        <p:nvSpPr>
+          <p:cNvPr id="3" name="內容版面配置區 2"/>
+          <p:cNvSpPr>
+            <a:spLocks noGrp="1"/>
+          </p:cNvSpPr>
+          <p:nvPr>
+            <p:ph idx="1"/>
+          </p:nvPr>
+        </p:nvSpPr>
+        <p:spPr/>
+        <p:txBody>
+          <a:bodyPr/>
+          <a:lstStyle/>
+          <a:p>
+            <a:r>
+              <a:rPr lang="zh-TW" altLang="en-US" dirty="0"/>
+              <a:t>若有檔案是無論如何不需要被 </a:t>
+            </a:r>
+            <a:r>
+              <a:rPr lang="en-US" altLang="zh-TW" dirty="0"/>
+              <a:t>commit </a:t>
+            </a:r>
+            <a:r>
+              <a:rPr lang="zh-TW" altLang="en-US" dirty="0"/>
+              <a:t>的，可以新增 </a:t>
+            </a:r>
+            <a:r>
+              <a:rPr lang="en-US" altLang="zh-TW" dirty="0"/>
+              <a:t>.</a:t>
+            </a:r>
+            <a:r>
+              <a:rPr lang="en-US" altLang="zh-TW" dirty="0" err="1"/>
+              <a:t>gitignore</a:t>
+            </a:r>
+            <a:r>
+              <a:rPr lang="en-US" altLang="zh-TW" dirty="0"/>
+              <a:t> </a:t>
+            </a:r>
+            <a:r>
+              <a:rPr lang="zh-TW" altLang="en-US" dirty="0"/>
+              <a:t>並將不想被</a:t>
+            </a:r>
+            <a:r>
+              <a:rPr lang="en-US" altLang="zh-TW" dirty="0"/>
+              <a:t>commit </a:t>
+            </a:r>
+            <a:r>
+              <a:rPr lang="zh-TW" altLang="en-US" dirty="0"/>
+              <a:t>的檔案</a:t>
+            </a:r>
+            <a:r>
+              <a:rPr lang="zh-TW" altLang="en-US" dirty="0" smtClean="0"/>
+              <a:t>寫入</a:t>
+            </a:r>
+            <a:endParaRPr lang="en-US" altLang="zh-TW" dirty="0" smtClean="0"/>
+          </a:p>
+          <a:p>
+            <a:endParaRPr lang="en-US" altLang="zh-TW" dirty="0"/>
+          </a:p>
+          <a:p>
+            <a:r>
+              <a:rPr lang="en-US" altLang="zh-TW" dirty="0" smtClean="0"/>
+              <a:t>Main.py</a:t>
+            </a:r>
+          </a:p>
+          <a:p>
+            <a:r>
+              <a:rPr lang="en-US" altLang="zh-TW" dirty="0" smtClean="0"/>
+              <a:t>Main/</a:t>
+            </a:r>
+          </a:p>
+          <a:p>
+            <a:r>
+              <a:rPr lang="en-US" altLang="zh-TW" dirty="0" smtClean="0"/>
+              <a:t>*.txt</a:t>
+            </a:r>
+            <a:endParaRPr lang="zh-TW" altLang="en-US" dirty="0"/>
+          </a:p>
+        </p:txBody>
+      </p:sp>
+    </p:spTree>
+    <p:extLst>
+      <p:ext uri="{BB962C8B-B14F-4D97-AF65-F5344CB8AC3E}">
+        <p14:creationId xmlns:p14="http://schemas.microsoft.com/office/powerpoint/2010/main" val="2595848223"/>
+      </p:ext>
+    </p:extLst>
+  </p:cSld>
+  <p:clrMapOvr>
+    <a:masterClrMapping/>
+  </p:clrMapOvr>
+</p:sld>
+</file>
+
 <file path=ppt/slides/slide2.xml><?xml version="1.0" encoding="utf-8"?>
 <p:sld xmlns:a="http://schemas.openxmlformats.org/drawingml/2006/main" xmlns:r="http://schemas.openxmlformats.org/officeDocument/2006/relationships" xmlns:p="http://schemas.openxmlformats.org/presentationml/2006/main">
   <p:cSld>
@@ -4467,11 +4638,7 @@
             </a:r>
             <a:r>
               <a:rPr lang="zh-TW" altLang="en-US" dirty="0" smtClean="0"/>
-              <a:t>：是版本控制</a:t>
-            </a:r>
-            <a:r>
-              <a:rPr lang="zh-TW" altLang="en-US" dirty="0" smtClean="0"/>
-              <a:t>軟體。</a:t>
+              <a:t>：是版本控制軟體。</a:t>
             </a:r>
             <a:endParaRPr lang="en-US" altLang="zh-TW" dirty="0" smtClean="0"/>
           </a:p>
@@ -4507,7 +4674,7 @@
               <a:rPr lang="zh-TW" altLang="en-US" dirty="0" smtClean="0"/>
               <a:t>。</a:t>
             </a:r>
-            <a:endParaRPr lang="en-US" altLang="zh-TW" smtClean="0"/>
+            <a:endParaRPr lang="en-US" altLang="zh-TW" dirty="0" smtClean="0"/>
           </a:p>
           <a:p>
             <a:pPr marL="0" indent="0">

--- a/test.pptx
+++ b/test.pptx
@@ -22,6 +22,7 @@
     <p:sldId id="269" r:id="rId16"/>
     <p:sldId id="270" r:id="rId17"/>
     <p:sldId id="272" r:id="rId18"/>
+    <p:sldId id="273" r:id="rId19"/>
   </p:sldIdLst>
   <p:sldSz cx="12192000" cy="6858000"/>
   <p:notesSz cx="6858000" cy="9144000"/>
@@ -259,7 +260,7 @@
           <a:p>
             <a:fld id="{A7B6EA28-1AA0-42DB-BC2E-3A1A317DF346}" type="datetimeFigureOut">
               <a:rPr lang="zh-TW" altLang="en-US" smtClean="0"/>
-              <a:t>2021/10/4</a:t>
+              <a:t>2021/10/6</a:t>
             </a:fld>
             <a:endParaRPr lang="zh-TW" altLang="en-US"/>
           </a:p>
@@ -429,7 +430,7 @@
           <a:p>
             <a:fld id="{A7B6EA28-1AA0-42DB-BC2E-3A1A317DF346}" type="datetimeFigureOut">
               <a:rPr lang="zh-TW" altLang="en-US" smtClean="0"/>
-              <a:t>2021/10/4</a:t>
+              <a:t>2021/10/6</a:t>
             </a:fld>
             <a:endParaRPr lang="zh-TW" altLang="en-US"/>
           </a:p>
@@ -609,7 +610,7 @@
           <a:p>
             <a:fld id="{A7B6EA28-1AA0-42DB-BC2E-3A1A317DF346}" type="datetimeFigureOut">
               <a:rPr lang="zh-TW" altLang="en-US" smtClean="0"/>
-              <a:t>2021/10/4</a:t>
+              <a:t>2021/10/6</a:t>
             </a:fld>
             <a:endParaRPr lang="zh-TW" altLang="en-US"/>
           </a:p>
@@ -779,7 +780,7 @@
           <a:p>
             <a:fld id="{A7B6EA28-1AA0-42DB-BC2E-3A1A317DF346}" type="datetimeFigureOut">
               <a:rPr lang="zh-TW" altLang="en-US" smtClean="0"/>
-              <a:t>2021/10/4</a:t>
+              <a:t>2021/10/6</a:t>
             </a:fld>
             <a:endParaRPr lang="zh-TW" altLang="en-US"/>
           </a:p>
@@ -1025,7 +1026,7 @@
           <a:p>
             <a:fld id="{A7B6EA28-1AA0-42DB-BC2E-3A1A317DF346}" type="datetimeFigureOut">
               <a:rPr lang="zh-TW" altLang="en-US" smtClean="0"/>
-              <a:t>2021/10/4</a:t>
+              <a:t>2021/10/6</a:t>
             </a:fld>
             <a:endParaRPr lang="zh-TW" altLang="en-US"/>
           </a:p>
@@ -1257,7 +1258,7 @@
           <a:p>
             <a:fld id="{A7B6EA28-1AA0-42DB-BC2E-3A1A317DF346}" type="datetimeFigureOut">
               <a:rPr lang="zh-TW" altLang="en-US" smtClean="0"/>
-              <a:t>2021/10/4</a:t>
+              <a:t>2021/10/6</a:t>
             </a:fld>
             <a:endParaRPr lang="zh-TW" altLang="en-US"/>
           </a:p>
@@ -1624,7 +1625,7 @@
           <a:p>
             <a:fld id="{A7B6EA28-1AA0-42DB-BC2E-3A1A317DF346}" type="datetimeFigureOut">
               <a:rPr lang="zh-TW" altLang="en-US" smtClean="0"/>
-              <a:t>2021/10/4</a:t>
+              <a:t>2021/10/6</a:t>
             </a:fld>
             <a:endParaRPr lang="zh-TW" altLang="en-US"/>
           </a:p>
@@ -1742,7 +1743,7 @@
           <a:p>
             <a:fld id="{A7B6EA28-1AA0-42DB-BC2E-3A1A317DF346}" type="datetimeFigureOut">
               <a:rPr lang="zh-TW" altLang="en-US" smtClean="0"/>
-              <a:t>2021/10/4</a:t>
+              <a:t>2021/10/6</a:t>
             </a:fld>
             <a:endParaRPr lang="zh-TW" altLang="en-US"/>
           </a:p>
@@ -1837,7 +1838,7 @@
           <a:p>
             <a:fld id="{A7B6EA28-1AA0-42DB-BC2E-3A1A317DF346}" type="datetimeFigureOut">
               <a:rPr lang="zh-TW" altLang="en-US" smtClean="0"/>
-              <a:t>2021/10/4</a:t>
+              <a:t>2021/10/6</a:t>
             </a:fld>
             <a:endParaRPr lang="zh-TW" altLang="en-US"/>
           </a:p>
@@ -2114,7 +2115,7 @@
           <a:p>
             <a:fld id="{A7B6EA28-1AA0-42DB-BC2E-3A1A317DF346}" type="datetimeFigureOut">
               <a:rPr lang="zh-TW" altLang="en-US" smtClean="0"/>
-              <a:t>2021/10/4</a:t>
+              <a:t>2021/10/6</a:t>
             </a:fld>
             <a:endParaRPr lang="zh-TW" altLang="en-US"/>
           </a:p>
@@ -2367,7 +2368,7 @@
           <a:p>
             <a:fld id="{A7B6EA28-1AA0-42DB-BC2E-3A1A317DF346}" type="datetimeFigureOut">
               <a:rPr lang="zh-TW" altLang="en-US" smtClean="0"/>
-              <a:t>2021/10/4</a:t>
+              <a:t>2021/10/6</a:t>
             </a:fld>
             <a:endParaRPr lang="zh-TW" altLang="en-US"/>
           </a:p>
@@ -2580,7 +2581,7 @@
           <a:p>
             <a:fld id="{A7B6EA28-1AA0-42DB-BC2E-3A1A317DF346}" type="datetimeFigureOut">
               <a:rPr lang="zh-TW" altLang="en-US" smtClean="0"/>
-              <a:t>2021/10/4</a:t>
+              <a:t>2021/10/6</a:t>
             </a:fld>
             <a:endParaRPr lang="zh-TW" altLang="en-US"/>
           </a:p>
@@ -4009,6 +4010,145 @@
 </p:sld>
 </file>
 
+<file path=ppt/slides/slide18.xml><?xml version="1.0" encoding="utf-8"?>
+<p:sld xmlns:a="http://schemas.openxmlformats.org/drawingml/2006/main" xmlns:r="http://schemas.openxmlformats.org/officeDocument/2006/relationships" xmlns:p="http://schemas.openxmlformats.org/presentationml/2006/main">
+  <p:cSld>
+    <p:spTree>
+      <p:nvGrpSpPr>
+        <p:cNvPr id="1" name=""/>
+        <p:cNvGrpSpPr/>
+        <p:nvPr/>
+      </p:nvGrpSpPr>
+      <p:grpSpPr>
+        <a:xfrm>
+          <a:off x="0" y="0"/>
+          <a:ext cx="0" cy="0"/>
+          <a:chOff x="0" y="0"/>
+          <a:chExt cx="0" cy="0"/>
+        </a:xfrm>
+      </p:grpSpPr>
+      <p:sp>
+        <p:nvSpPr>
+          <p:cNvPr id="2" name="標題 1"/>
+          <p:cNvSpPr>
+            <a:spLocks noGrp="1"/>
+          </p:cNvSpPr>
+          <p:nvPr>
+            <p:ph type="title"/>
+          </p:nvPr>
+        </p:nvSpPr>
+        <p:spPr/>
+        <p:txBody>
+          <a:bodyPr/>
+          <a:lstStyle/>
+          <a:p>
+            <a:r>
+              <a:rPr lang="zh-TW" altLang="en-US" dirty="0" smtClean="0"/>
+              <a:t>初始設定</a:t>
+            </a:r>
+            <a:r>
+              <a:rPr lang="en-US" altLang="zh-TW" dirty="0" smtClean="0"/>
+              <a:t>(</a:t>
+            </a:r>
+            <a:r>
+              <a:rPr lang="zh-TW" altLang="en-US" dirty="0"/>
+              <a:t>改成第一</a:t>
+            </a:r>
+            <a:r>
+              <a:rPr lang="zh-TW" altLang="en-US" dirty="0" smtClean="0"/>
+              <a:t>步 其他往後推</a:t>
+            </a:r>
+            <a:r>
+              <a:rPr lang="en-US" altLang="zh-TW" dirty="0" smtClean="0"/>
+              <a:t>)</a:t>
+            </a:r>
+            <a:endParaRPr lang="zh-TW" altLang="en-US" dirty="0"/>
+          </a:p>
+        </p:txBody>
+      </p:sp>
+      <p:sp>
+        <p:nvSpPr>
+          <p:cNvPr id="3" name="內容版面配置區 2"/>
+          <p:cNvSpPr>
+            <a:spLocks noGrp="1"/>
+          </p:cNvSpPr>
+          <p:nvPr>
+            <p:ph idx="1"/>
+          </p:nvPr>
+        </p:nvSpPr>
+        <p:spPr/>
+        <p:txBody>
+          <a:bodyPr/>
+          <a:lstStyle/>
+          <a:p>
+            <a:r>
+              <a:rPr lang="en-US" altLang="zh-TW" dirty="0" err="1"/>
+              <a:t>git</a:t>
+            </a:r>
+            <a:r>
+              <a:rPr lang="en-US" altLang="zh-TW" dirty="0"/>
+              <a:t> </a:t>
+            </a:r>
+            <a:r>
+              <a:rPr lang="en-US" altLang="zh-TW" dirty="0" err="1"/>
+              <a:t>config</a:t>
+            </a:r>
+            <a:r>
+              <a:rPr lang="en-US" altLang="zh-TW" dirty="0"/>
+              <a:t> --global </a:t>
+            </a:r>
+            <a:r>
+              <a:rPr lang="en-US" altLang="zh-TW" dirty="0" err="1"/>
+              <a:t>user.email</a:t>
+            </a:r>
+            <a:r>
+              <a:rPr lang="en-US" altLang="zh-TW" dirty="0"/>
+              <a:t> "you@example.com" </a:t>
+            </a:r>
+            <a:endParaRPr lang="en-US" altLang="zh-TW" dirty="0" smtClean="0"/>
+          </a:p>
+          <a:p>
+            <a:r>
+              <a:rPr lang="en-US" altLang="zh-TW" dirty="0" err="1" smtClean="0"/>
+              <a:t>git</a:t>
+            </a:r>
+            <a:r>
+              <a:rPr lang="en-US" altLang="zh-TW" dirty="0" smtClean="0"/>
+              <a:t> </a:t>
+            </a:r>
+            <a:r>
+              <a:rPr lang="en-US" altLang="zh-TW" dirty="0" err="1"/>
+              <a:t>config</a:t>
+            </a:r>
+            <a:r>
+              <a:rPr lang="en-US" altLang="zh-TW" dirty="0"/>
+              <a:t> --global user.name "</a:t>
+            </a:r>
+            <a:r>
+              <a:rPr lang="zh-TW" altLang="en-US" dirty="0"/>
+              <a:t>你的名字</a:t>
+            </a:r>
+            <a:r>
+              <a:rPr lang="en-US" altLang="zh-TW" dirty="0"/>
+              <a:t>"</a:t>
+            </a:r>
+            <a:endParaRPr lang="zh-TW" altLang="en-US" dirty="0"/>
+          </a:p>
+        </p:txBody>
+      </p:sp>
+    </p:spTree>
+    <p:extLst>
+      <p:ext uri="{BB962C8B-B14F-4D97-AF65-F5344CB8AC3E}">
+        <p14:creationId xmlns:p14="http://schemas.microsoft.com/office/powerpoint/2010/main" val="3657190416"/>
+      </p:ext>
+    </p:extLst>
+  </p:cSld>
+  <p:clrMapOvr>
+    <a:masterClrMapping/>
+  </p:clrMapOvr>
+</p:sld>
+</file>
+
 <file path=ppt/slides/slide2.xml><?xml version="1.0" encoding="utf-8"?>
 <p:sld xmlns:a="http://schemas.openxmlformats.org/drawingml/2006/main" xmlns:r="http://schemas.openxmlformats.org/officeDocument/2006/relationships" xmlns:p="http://schemas.openxmlformats.org/presentationml/2006/main">
   <p:cSld>

--- a/test.pptx
+++ b/test.pptx
@@ -171,10 +171,9 @@
           </a:lstStyle>
           <a:p>
             <a:r>
-              <a:rPr lang="zh-TW" altLang="en-US" smtClean="0"/>
+              <a:rPr lang="zh-TW" altLang="en-US"/>
               <a:t>按一下以編輯母片標題樣式</a:t>
             </a:r>
-            <a:endParaRPr lang="zh-TW" altLang="en-US"/>
           </a:p>
         </p:txBody>
       </p:sp>
@@ -236,10 +235,9 @@
           </a:lstStyle>
           <a:p>
             <a:r>
-              <a:rPr lang="zh-TW" altLang="en-US" smtClean="0"/>
+              <a:rPr lang="zh-TW" altLang="en-US"/>
               <a:t>按一下以編輯母片副標題樣式</a:t>
             </a:r>
-            <a:endParaRPr lang="zh-TW" altLang="en-US"/>
           </a:p>
         </p:txBody>
       </p:sp>
@@ -260,7 +258,7 @@
           <a:p>
             <a:fld id="{A7B6EA28-1AA0-42DB-BC2E-3A1A317DF346}" type="datetimeFigureOut">
               <a:rPr lang="zh-TW" altLang="en-US" smtClean="0"/>
-              <a:t>2021/10/6</a:t>
+              <a:t>2021/10/20</a:t>
             </a:fld>
             <a:endParaRPr lang="zh-TW" altLang="en-US"/>
           </a:p>
@@ -354,10 +352,9 @@
           <a:lstStyle/>
           <a:p>
             <a:r>
-              <a:rPr lang="zh-TW" altLang="en-US" smtClean="0"/>
+              <a:rPr lang="zh-TW" altLang="en-US"/>
               <a:t>按一下以編輯母片標題樣式</a:t>
             </a:r>
-            <a:endParaRPr lang="zh-TW" altLang="en-US"/>
           </a:p>
         </p:txBody>
       </p:sp>
@@ -378,38 +375,37 @@
           <a:p>
             <a:pPr lvl="0"/>
             <a:r>
-              <a:rPr lang="zh-TW" altLang="en-US" smtClean="0"/>
+              <a:rPr lang="zh-TW" altLang="en-US"/>
               <a:t>按一下以編輯母片文字樣式</a:t>
             </a:r>
           </a:p>
           <a:p>
             <a:pPr lvl="1"/>
             <a:r>
-              <a:rPr lang="zh-TW" altLang="en-US" smtClean="0"/>
+              <a:rPr lang="zh-TW" altLang="en-US"/>
               <a:t>第二層</a:t>
             </a:r>
           </a:p>
           <a:p>
             <a:pPr lvl="2"/>
             <a:r>
-              <a:rPr lang="zh-TW" altLang="en-US" smtClean="0"/>
+              <a:rPr lang="zh-TW" altLang="en-US"/>
               <a:t>第三層</a:t>
             </a:r>
           </a:p>
           <a:p>
             <a:pPr lvl="3"/>
             <a:r>
-              <a:rPr lang="zh-TW" altLang="en-US" smtClean="0"/>
+              <a:rPr lang="zh-TW" altLang="en-US"/>
               <a:t>第四層</a:t>
             </a:r>
           </a:p>
           <a:p>
             <a:pPr lvl="4"/>
             <a:r>
-              <a:rPr lang="zh-TW" altLang="en-US" smtClean="0"/>
+              <a:rPr lang="zh-TW" altLang="en-US"/>
               <a:t>第五層</a:t>
             </a:r>
-            <a:endParaRPr lang="zh-TW" altLang="en-US"/>
           </a:p>
         </p:txBody>
       </p:sp>
@@ -430,7 +426,7 @@
           <a:p>
             <a:fld id="{A7B6EA28-1AA0-42DB-BC2E-3A1A317DF346}" type="datetimeFigureOut">
               <a:rPr lang="zh-TW" altLang="en-US" smtClean="0"/>
-              <a:t>2021/10/6</a:t>
+              <a:t>2021/10/20</a:t>
             </a:fld>
             <a:endParaRPr lang="zh-TW" altLang="en-US"/>
           </a:p>
@@ -529,10 +525,9 @@
           <a:lstStyle/>
           <a:p>
             <a:r>
-              <a:rPr lang="zh-TW" altLang="en-US" smtClean="0"/>
+              <a:rPr lang="zh-TW" altLang="en-US"/>
               <a:t>按一下以編輯母片標題樣式</a:t>
             </a:r>
-            <a:endParaRPr lang="zh-TW" altLang="en-US"/>
           </a:p>
         </p:txBody>
       </p:sp>
@@ -558,38 +553,37 @@
           <a:p>
             <a:pPr lvl="0"/>
             <a:r>
-              <a:rPr lang="zh-TW" altLang="en-US" smtClean="0"/>
+              <a:rPr lang="zh-TW" altLang="en-US"/>
               <a:t>按一下以編輯母片文字樣式</a:t>
             </a:r>
           </a:p>
           <a:p>
             <a:pPr lvl="1"/>
             <a:r>
-              <a:rPr lang="zh-TW" altLang="en-US" smtClean="0"/>
+              <a:rPr lang="zh-TW" altLang="en-US"/>
               <a:t>第二層</a:t>
             </a:r>
           </a:p>
           <a:p>
             <a:pPr lvl="2"/>
             <a:r>
-              <a:rPr lang="zh-TW" altLang="en-US" smtClean="0"/>
+              <a:rPr lang="zh-TW" altLang="en-US"/>
               <a:t>第三層</a:t>
             </a:r>
           </a:p>
           <a:p>
             <a:pPr lvl="3"/>
             <a:r>
-              <a:rPr lang="zh-TW" altLang="en-US" smtClean="0"/>
+              <a:rPr lang="zh-TW" altLang="en-US"/>
               <a:t>第四層</a:t>
             </a:r>
           </a:p>
           <a:p>
             <a:pPr lvl="4"/>
             <a:r>
-              <a:rPr lang="zh-TW" altLang="en-US" smtClean="0"/>
+              <a:rPr lang="zh-TW" altLang="en-US"/>
               <a:t>第五層</a:t>
             </a:r>
-            <a:endParaRPr lang="zh-TW" altLang="en-US"/>
           </a:p>
         </p:txBody>
       </p:sp>
@@ -610,7 +604,7 @@
           <a:p>
             <a:fld id="{A7B6EA28-1AA0-42DB-BC2E-3A1A317DF346}" type="datetimeFigureOut">
               <a:rPr lang="zh-TW" altLang="en-US" smtClean="0"/>
-              <a:t>2021/10/6</a:t>
+              <a:t>2021/10/20</a:t>
             </a:fld>
             <a:endParaRPr lang="zh-TW" altLang="en-US"/>
           </a:p>
@@ -704,10 +698,9 @@
           <a:lstStyle/>
           <a:p>
             <a:r>
-              <a:rPr lang="zh-TW" altLang="en-US" smtClean="0"/>
+              <a:rPr lang="zh-TW" altLang="en-US"/>
               <a:t>按一下以編輯母片標題樣式</a:t>
             </a:r>
-            <a:endParaRPr lang="zh-TW" altLang="en-US"/>
           </a:p>
         </p:txBody>
       </p:sp>
@@ -728,38 +721,37 @@
           <a:p>
             <a:pPr lvl="0"/>
             <a:r>
-              <a:rPr lang="zh-TW" altLang="en-US" smtClean="0"/>
+              <a:rPr lang="zh-TW" altLang="en-US"/>
               <a:t>按一下以編輯母片文字樣式</a:t>
             </a:r>
           </a:p>
           <a:p>
             <a:pPr lvl="1"/>
             <a:r>
-              <a:rPr lang="zh-TW" altLang="en-US" smtClean="0"/>
+              <a:rPr lang="zh-TW" altLang="en-US"/>
               <a:t>第二層</a:t>
             </a:r>
           </a:p>
           <a:p>
             <a:pPr lvl="2"/>
             <a:r>
-              <a:rPr lang="zh-TW" altLang="en-US" smtClean="0"/>
+              <a:rPr lang="zh-TW" altLang="en-US"/>
               <a:t>第三層</a:t>
             </a:r>
           </a:p>
           <a:p>
             <a:pPr lvl="3"/>
             <a:r>
-              <a:rPr lang="zh-TW" altLang="en-US" smtClean="0"/>
+              <a:rPr lang="zh-TW" altLang="en-US"/>
               <a:t>第四層</a:t>
             </a:r>
           </a:p>
           <a:p>
             <a:pPr lvl="4"/>
             <a:r>
-              <a:rPr lang="zh-TW" altLang="en-US" smtClean="0"/>
+              <a:rPr lang="zh-TW" altLang="en-US"/>
               <a:t>第五層</a:t>
             </a:r>
-            <a:endParaRPr lang="zh-TW" altLang="en-US"/>
           </a:p>
         </p:txBody>
       </p:sp>
@@ -780,7 +772,7 @@
           <a:p>
             <a:fld id="{A7B6EA28-1AA0-42DB-BC2E-3A1A317DF346}" type="datetimeFigureOut">
               <a:rPr lang="zh-TW" altLang="en-US" smtClean="0"/>
-              <a:t>2021/10/6</a:t>
+              <a:t>2021/10/20</a:t>
             </a:fld>
             <a:endParaRPr lang="zh-TW" altLang="en-US"/>
           </a:p>
@@ -883,10 +875,9 @@
           </a:lstStyle>
           <a:p>
             <a:r>
-              <a:rPr lang="zh-TW" altLang="en-US" smtClean="0"/>
+              <a:rPr lang="zh-TW" altLang="en-US"/>
               <a:t>按一下以編輯母片標題樣式</a:t>
             </a:r>
-            <a:endParaRPr lang="zh-TW" altLang="en-US"/>
           </a:p>
         </p:txBody>
       </p:sp>
@@ -1003,7 +994,7 @@
           <a:p>
             <a:pPr lvl="0"/>
             <a:r>
-              <a:rPr lang="zh-TW" altLang="en-US" smtClean="0"/>
+              <a:rPr lang="zh-TW" altLang="en-US"/>
               <a:t>按一下以編輯母片文字樣式</a:t>
             </a:r>
           </a:p>
@@ -1026,7 +1017,7 @@
           <a:p>
             <a:fld id="{A7B6EA28-1AA0-42DB-BC2E-3A1A317DF346}" type="datetimeFigureOut">
               <a:rPr lang="zh-TW" altLang="en-US" smtClean="0"/>
-              <a:t>2021/10/6</a:t>
+              <a:t>2021/10/20</a:t>
             </a:fld>
             <a:endParaRPr lang="zh-TW" altLang="en-US"/>
           </a:p>
@@ -1120,10 +1111,9 @@
           <a:lstStyle/>
           <a:p>
             <a:r>
-              <a:rPr lang="zh-TW" altLang="en-US" smtClean="0"/>
+              <a:rPr lang="zh-TW" altLang="en-US"/>
               <a:t>按一下以編輯母片標題樣式</a:t>
             </a:r>
-            <a:endParaRPr lang="zh-TW" altLang="en-US"/>
           </a:p>
         </p:txBody>
       </p:sp>
@@ -1149,38 +1139,37 @@
           <a:p>
             <a:pPr lvl="0"/>
             <a:r>
-              <a:rPr lang="zh-TW" altLang="en-US" smtClean="0"/>
+              <a:rPr lang="zh-TW" altLang="en-US"/>
               <a:t>按一下以編輯母片文字樣式</a:t>
             </a:r>
           </a:p>
           <a:p>
             <a:pPr lvl="1"/>
             <a:r>
-              <a:rPr lang="zh-TW" altLang="en-US" smtClean="0"/>
+              <a:rPr lang="zh-TW" altLang="en-US"/>
               <a:t>第二層</a:t>
             </a:r>
           </a:p>
           <a:p>
             <a:pPr lvl="2"/>
             <a:r>
-              <a:rPr lang="zh-TW" altLang="en-US" smtClean="0"/>
+              <a:rPr lang="zh-TW" altLang="en-US"/>
               <a:t>第三層</a:t>
             </a:r>
           </a:p>
           <a:p>
             <a:pPr lvl="3"/>
             <a:r>
-              <a:rPr lang="zh-TW" altLang="en-US" smtClean="0"/>
+              <a:rPr lang="zh-TW" altLang="en-US"/>
               <a:t>第四層</a:t>
             </a:r>
           </a:p>
           <a:p>
             <a:pPr lvl="4"/>
             <a:r>
-              <a:rPr lang="zh-TW" altLang="en-US" smtClean="0"/>
+              <a:rPr lang="zh-TW" altLang="en-US"/>
               <a:t>第五層</a:t>
             </a:r>
-            <a:endParaRPr lang="zh-TW" altLang="en-US"/>
           </a:p>
         </p:txBody>
       </p:sp>
@@ -1206,38 +1195,37 @@
           <a:p>
             <a:pPr lvl="0"/>
             <a:r>
-              <a:rPr lang="zh-TW" altLang="en-US" smtClean="0"/>
+              <a:rPr lang="zh-TW" altLang="en-US"/>
               <a:t>按一下以編輯母片文字樣式</a:t>
             </a:r>
           </a:p>
           <a:p>
             <a:pPr lvl="1"/>
             <a:r>
-              <a:rPr lang="zh-TW" altLang="en-US" smtClean="0"/>
+              <a:rPr lang="zh-TW" altLang="en-US"/>
               <a:t>第二層</a:t>
             </a:r>
           </a:p>
           <a:p>
             <a:pPr lvl="2"/>
             <a:r>
-              <a:rPr lang="zh-TW" altLang="en-US" smtClean="0"/>
+              <a:rPr lang="zh-TW" altLang="en-US"/>
               <a:t>第三層</a:t>
             </a:r>
           </a:p>
           <a:p>
             <a:pPr lvl="3"/>
             <a:r>
-              <a:rPr lang="zh-TW" altLang="en-US" smtClean="0"/>
+              <a:rPr lang="zh-TW" altLang="en-US"/>
               <a:t>第四層</a:t>
             </a:r>
           </a:p>
           <a:p>
             <a:pPr lvl="4"/>
             <a:r>
-              <a:rPr lang="zh-TW" altLang="en-US" smtClean="0"/>
+              <a:rPr lang="zh-TW" altLang="en-US"/>
               <a:t>第五層</a:t>
             </a:r>
-            <a:endParaRPr lang="zh-TW" altLang="en-US"/>
           </a:p>
         </p:txBody>
       </p:sp>
@@ -1258,7 +1246,7 @@
           <a:p>
             <a:fld id="{A7B6EA28-1AA0-42DB-BC2E-3A1A317DF346}" type="datetimeFigureOut">
               <a:rPr lang="zh-TW" altLang="en-US" smtClean="0"/>
-              <a:t>2021/10/6</a:t>
+              <a:t>2021/10/20</a:t>
             </a:fld>
             <a:endParaRPr lang="zh-TW" altLang="en-US"/>
           </a:p>
@@ -1357,10 +1345,9 @@
           <a:lstStyle/>
           <a:p>
             <a:r>
-              <a:rPr lang="zh-TW" altLang="en-US" smtClean="0"/>
+              <a:rPr lang="zh-TW" altLang="en-US"/>
               <a:t>按一下以編輯母片標題樣式</a:t>
             </a:r>
-            <a:endParaRPr lang="zh-TW" altLang="en-US"/>
           </a:p>
         </p:txBody>
       </p:sp>
@@ -1423,7 +1410,7 @@
           <a:p>
             <a:pPr lvl="0"/>
             <a:r>
-              <a:rPr lang="zh-TW" altLang="en-US" smtClean="0"/>
+              <a:rPr lang="zh-TW" altLang="en-US"/>
               <a:t>按一下以編輯母片文字樣式</a:t>
             </a:r>
           </a:p>
@@ -1451,38 +1438,37 @@
           <a:p>
             <a:pPr lvl="0"/>
             <a:r>
-              <a:rPr lang="zh-TW" altLang="en-US" smtClean="0"/>
+              <a:rPr lang="zh-TW" altLang="en-US"/>
               <a:t>按一下以編輯母片文字樣式</a:t>
             </a:r>
           </a:p>
           <a:p>
             <a:pPr lvl="1"/>
             <a:r>
-              <a:rPr lang="zh-TW" altLang="en-US" smtClean="0"/>
+              <a:rPr lang="zh-TW" altLang="en-US"/>
               <a:t>第二層</a:t>
             </a:r>
           </a:p>
           <a:p>
             <a:pPr lvl="2"/>
             <a:r>
-              <a:rPr lang="zh-TW" altLang="en-US" smtClean="0"/>
+              <a:rPr lang="zh-TW" altLang="en-US"/>
               <a:t>第三層</a:t>
             </a:r>
           </a:p>
           <a:p>
             <a:pPr lvl="3"/>
             <a:r>
-              <a:rPr lang="zh-TW" altLang="en-US" smtClean="0"/>
+              <a:rPr lang="zh-TW" altLang="en-US"/>
               <a:t>第四層</a:t>
             </a:r>
           </a:p>
           <a:p>
             <a:pPr lvl="4"/>
             <a:r>
-              <a:rPr lang="zh-TW" altLang="en-US" smtClean="0"/>
+              <a:rPr lang="zh-TW" altLang="en-US"/>
               <a:t>第五層</a:t>
             </a:r>
-            <a:endParaRPr lang="zh-TW" altLang="en-US"/>
           </a:p>
         </p:txBody>
       </p:sp>
@@ -1545,7 +1531,7 @@
           <a:p>
             <a:pPr lvl="0"/>
             <a:r>
-              <a:rPr lang="zh-TW" altLang="en-US" smtClean="0"/>
+              <a:rPr lang="zh-TW" altLang="en-US"/>
               <a:t>按一下以編輯母片文字樣式</a:t>
             </a:r>
           </a:p>
@@ -1573,38 +1559,37 @@
           <a:p>
             <a:pPr lvl="0"/>
             <a:r>
-              <a:rPr lang="zh-TW" altLang="en-US" smtClean="0"/>
+              <a:rPr lang="zh-TW" altLang="en-US"/>
               <a:t>按一下以編輯母片文字樣式</a:t>
             </a:r>
           </a:p>
           <a:p>
             <a:pPr lvl="1"/>
             <a:r>
-              <a:rPr lang="zh-TW" altLang="en-US" smtClean="0"/>
+              <a:rPr lang="zh-TW" altLang="en-US"/>
               <a:t>第二層</a:t>
             </a:r>
           </a:p>
           <a:p>
             <a:pPr lvl="2"/>
             <a:r>
-              <a:rPr lang="zh-TW" altLang="en-US" smtClean="0"/>
+              <a:rPr lang="zh-TW" altLang="en-US"/>
               <a:t>第三層</a:t>
             </a:r>
           </a:p>
           <a:p>
             <a:pPr lvl="3"/>
             <a:r>
-              <a:rPr lang="zh-TW" altLang="en-US" smtClean="0"/>
+              <a:rPr lang="zh-TW" altLang="en-US"/>
               <a:t>第四層</a:t>
             </a:r>
           </a:p>
           <a:p>
             <a:pPr lvl="4"/>
             <a:r>
-              <a:rPr lang="zh-TW" altLang="en-US" smtClean="0"/>
+              <a:rPr lang="zh-TW" altLang="en-US"/>
               <a:t>第五層</a:t>
             </a:r>
-            <a:endParaRPr lang="zh-TW" altLang="en-US"/>
           </a:p>
         </p:txBody>
       </p:sp>
@@ -1625,7 +1610,7 @@
           <a:p>
             <a:fld id="{A7B6EA28-1AA0-42DB-BC2E-3A1A317DF346}" type="datetimeFigureOut">
               <a:rPr lang="zh-TW" altLang="en-US" smtClean="0"/>
-              <a:t>2021/10/6</a:t>
+              <a:t>2021/10/20</a:t>
             </a:fld>
             <a:endParaRPr lang="zh-TW" altLang="en-US"/>
           </a:p>
@@ -1719,10 +1704,9 @@
           <a:lstStyle/>
           <a:p>
             <a:r>
-              <a:rPr lang="zh-TW" altLang="en-US" smtClean="0"/>
+              <a:rPr lang="zh-TW" altLang="en-US"/>
               <a:t>按一下以編輯母片標題樣式</a:t>
             </a:r>
-            <a:endParaRPr lang="zh-TW" altLang="en-US"/>
           </a:p>
         </p:txBody>
       </p:sp>
@@ -1743,7 +1727,7 @@
           <a:p>
             <a:fld id="{A7B6EA28-1AA0-42DB-BC2E-3A1A317DF346}" type="datetimeFigureOut">
               <a:rPr lang="zh-TW" altLang="en-US" smtClean="0"/>
-              <a:t>2021/10/6</a:t>
+              <a:t>2021/10/20</a:t>
             </a:fld>
             <a:endParaRPr lang="zh-TW" altLang="en-US"/>
           </a:p>
@@ -1838,7 +1822,7 @@
           <a:p>
             <a:fld id="{A7B6EA28-1AA0-42DB-BC2E-3A1A317DF346}" type="datetimeFigureOut">
               <a:rPr lang="zh-TW" altLang="en-US" smtClean="0"/>
-              <a:t>2021/10/6</a:t>
+              <a:t>2021/10/20</a:t>
             </a:fld>
             <a:endParaRPr lang="zh-TW" altLang="en-US"/>
           </a:p>
@@ -1941,10 +1925,9 @@
           </a:lstStyle>
           <a:p>
             <a:r>
-              <a:rPr lang="zh-TW" altLang="en-US" smtClean="0"/>
+              <a:rPr lang="zh-TW" altLang="en-US"/>
               <a:t>按一下以編輯母片標題樣式</a:t>
             </a:r>
-            <a:endParaRPr lang="zh-TW" altLang="en-US"/>
           </a:p>
         </p:txBody>
       </p:sp>
@@ -1998,38 +1981,37 @@
           <a:p>
             <a:pPr lvl="0"/>
             <a:r>
-              <a:rPr lang="zh-TW" altLang="en-US" smtClean="0"/>
+              <a:rPr lang="zh-TW" altLang="en-US"/>
               <a:t>按一下以編輯母片文字樣式</a:t>
             </a:r>
           </a:p>
           <a:p>
             <a:pPr lvl="1"/>
             <a:r>
-              <a:rPr lang="zh-TW" altLang="en-US" smtClean="0"/>
+              <a:rPr lang="zh-TW" altLang="en-US"/>
               <a:t>第二層</a:t>
             </a:r>
           </a:p>
           <a:p>
             <a:pPr lvl="2"/>
             <a:r>
-              <a:rPr lang="zh-TW" altLang="en-US" smtClean="0"/>
+              <a:rPr lang="zh-TW" altLang="en-US"/>
               <a:t>第三層</a:t>
             </a:r>
           </a:p>
           <a:p>
             <a:pPr lvl="3"/>
             <a:r>
-              <a:rPr lang="zh-TW" altLang="en-US" smtClean="0"/>
+              <a:rPr lang="zh-TW" altLang="en-US"/>
               <a:t>第四層</a:t>
             </a:r>
           </a:p>
           <a:p>
             <a:pPr lvl="4"/>
             <a:r>
-              <a:rPr lang="zh-TW" altLang="en-US" smtClean="0"/>
+              <a:rPr lang="zh-TW" altLang="en-US"/>
               <a:t>第五層</a:t>
             </a:r>
-            <a:endParaRPr lang="zh-TW" altLang="en-US"/>
           </a:p>
         </p:txBody>
       </p:sp>
@@ -2092,7 +2074,7 @@
           <a:p>
             <a:pPr lvl="0"/>
             <a:r>
-              <a:rPr lang="zh-TW" altLang="en-US" smtClean="0"/>
+              <a:rPr lang="zh-TW" altLang="en-US"/>
               <a:t>按一下以編輯母片文字樣式</a:t>
             </a:r>
           </a:p>
@@ -2115,7 +2097,7 @@
           <a:p>
             <a:fld id="{A7B6EA28-1AA0-42DB-BC2E-3A1A317DF346}" type="datetimeFigureOut">
               <a:rPr lang="zh-TW" altLang="en-US" smtClean="0"/>
-              <a:t>2021/10/6</a:t>
+              <a:t>2021/10/20</a:t>
             </a:fld>
             <a:endParaRPr lang="zh-TW" altLang="en-US"/>
           </a:p>
@@ -2218,10 +2200,9 @@
           </a:lstStyle>
           <a:p>
             <a:r>
-              <a:rPr lang="zh-TW" altLang="en-US" smtClean="0"/>
+              <a:rPr lang="zh-TW" altLang="en-US"/>
               <a:t>按一下以編輯母片標題樣式</a:t>
             </a:r>
-            <a:endParaRPr lang="zh-TW" altLang="en-US"/>
           </a:p>
         </p:txBody>
       </p:sp>
@@ -2345,7 +2326,7 @@
           <a:p>
             <a:pPr lvl="0"/>
             <a:r>
-              <a:rPr lang="zh-TW" altLang="en-US" smtClean="0"/>
+              <a:rPr lang="zh-TW" altLang="en-US"/>
               <a:t>按一下以編輯母片文字樣式</a:t>
             </a:r>
           </a:p>
@@ -2368,7 +2349,7 @@
           <a:p>
             <a:fld id="{A7B6EA28-1AA0-42DB-BC2E-3A1A317DF346}" type="datetimeFigureOut">
               <a:rPr lang="zh-TW" altLang="en-US" smtClean="0"/>
-              <a:t>2021/10/6</a:t>
+              <a:t>2021/10/20</a:t>
             </a:fld>
             <a:endParaRPr lang="zh-TW" altLang="en-US"/>
           </a:p>
@@ -2477,10 +2458,9 @@
           <a:lstStyle/>
           <a:p>
             <a:r>
-              <a:rPr lang="zh-TW" altLang="en-US" smtClean="0"/>
+              <a:rPr lang="zh-TW" altLang="en-US"/>
               <a:t>按一下以編輯母片標題樣式</a:t>
             </a:r>
-            <a:endParaRPr lang="zh-TW" altLang="en-US"/>
           </a:p>
         </p:txBody>
       </p:sp>
@@ -2511,38 +2491,37 @@
           <a:p>
             <a:pPr lvl="0"/>
             <a:r>
-              <a:rPr lang="zh-TW" altLang="en-US" smtClean="0"/>
+              <a:rPr lang="zh-TW" altLang="en-US"/>
               <a:t>按一下以編輯母片文字樣式</a:t>
             </a:r>
           </a:p>
           <a:p>
             <a:pPr lvl="1"/>
             <a:r>
-              <a:rPr lang="zh-TW" altLang="en-US" smtClean="0"/>
+              <a:rPr lang="zh-TW" altLang="en-US"/>
               <a:t>第二層</a:t>
             </a:r>
           </a:p>
           <a:p>
             <a:pPr lvl="2"/>
             <a:r>
-              <a:rPr lang="zh-TW" altLang="en-US" smtClean="0"/>
+              <a:rPr lang="zh-TW" altLang="en-US"/>
               <a:t>第三層</a:t>
             </a:r>
           </a:p>
           <a:p>
             <a:pPr lvl="3"/>
             <a:r>
-              <a:rPr lang="zh-TW" altLang="en-US" smtClean="0"/>
+              <a:rPr lang="zh-TW" altLang="en-US"/>
               <a:t>第四層</a:t>
             </a:r>
           </a:p>
           <a:p>
             <a:pPr lvl="4"/>
             <a:r>
-              <a:rPr lang="zh-TW" altLang="en-US" smtClean="0"/>
+              <a:rPr lang="zh-TW" altLang="en-US"/>
               <a:t>第五層</a:t>
             </a:r>
-            <a:endParaRPr lang="zh-TW" altLang="en-US"/>
           </a:p>
         </p:txBody>
       </p:sp>
@@ -2581,7 +2560,7 @@
           <a:p>
             <a:fld id="{A7B6EA28-1AA0-42DB-BC2E-3A1A317DF346}" type="datetimeFigureOut">
               <a:rPr lang="zh-TW" altLang="en-US" smtClean="0"/>
-              <a:t>2021/10/6</a:t>
+              <a:t>2021/10/20</a:t>
             </a:fld>
             <a:endParaRPr lang="zh-TW" altLang="en-US"/>
           </a:p>
@@ -3002,15 +2981,15 @@
           <a:lstStyle/>
           <a:p>
             <a:r>
-              <a:rPr lang="en-US" altLang="zh-TW" dirty="0" err="1" smtClean="0"/>
+              <a:rPr lang="en-US" altLang="zh-TW" dirty="0" err="1"/>
               <a:t>Git</a:t>
             </a:r>
             <a:r>
-              <a:rPr lang="zh-TW" altLang="en-US" dirty="0" smtClean="0"/>
+              <a:rPr lang="zh-TW" altLang="en-US" dirty="0"/>
               <a:t>與</a:t>
             </a:r>
             <a:r>
-              <a:rPr lang="en-US" altLang="zh-TW" dirty="0" smtClean="0"/>
+              <a:rPr lang="en-US" altLang="zh-TW" dirty="0"/>
               <a:t>GitHub</a:t>
             </a:r>
             <a:endParaRPr lang="zh-TW" altLang="en-US" dirty="0"/>
@@ -3033,9 +3012,12 @@
           <a:lstStyle/>
           <a:p>
             <a:r>
-              <a:rPr lang="zh-TW" altLang="en-US" smtClean="0"/>
-              <a:t>講師李承諺</a:t>
-            </a:r>
+              <a:rPr lang="zh-TW" altLang="en-US" dirty="0"/>
+              <a:t>講師李承諺ㄏ嘿嘿ㄏ</a:t>
+            </a:r>
+            <a:endParaRPr lang="en-US" altLang="zh-TW"/>
+          </a:p>
+          <a:p>
             <a:endParaRPr lang="zh-TW" altLang="en-US" dirty="0"/>
           </a:p>
         </p:txBody>
@@ -3086,11 +3068,11 @@
           <a:lstStyle/>
           <a:p>
             <a:r>
-              <a:rPr lang="zh-TW" altLang="en-US" dirty="0" smtClean="0"/>
+              <a:rPr lang="zh-TW" altLang="en-US" dirty="0"/>
               <a:t>上傳至</a:t>
             </a:r>
             <a:r>
-              <a:rPr lang="en-US" altLang="zh-TW" dirty="0" smtClean="0"/>
+              <a:rPr lang="en-US" altLang="zh-TW" dirty="0"/>
               <a:t>GitHub</a:t>
             </a:r>
             <a:endParaRPr lang="zh-TW" altLang="en-US" dirty="0"/>
@@ -3113,7 +3095,7 @@
           <a:lstStyle/>
           <a:p>
             <a:r>
-              <a:rPr lang="en-US" altLang="zh-TW" dirty="0" err="1" smtClean="0">
+              <a:rPr lang="en-US" altLang="zh-TW" dirty="0" err="1">
                 <a:latin typeface="DejaVu Sans Condensed" panose="020B0606030804020204" pitchFamily="34" charset="0"/>
                 <a:ea typeface="DejaVu Sans Condensed" panose="020B0606030804020204" pitchFamily="34" charset="0"/>
                 <a:cs typeface="DejaVu Sans Condensed" panose="020B0606030804020204" pitchFamily="34" charset="0"/>
@@ -3121,7 +3103,7 @@
               <a:t>Git</a:t>
             </a:r>
             <a:r>
-              <a:rPr lang="en-US" altLang="zh-TW" dirty="0" smtClean="0">
+              <a:rPr lang="en-US" altLang="zh-TW" dirty="0">
                 <a:latin typeface="DejaVu Sans Condensed" panose="020B0606030804020204" pitchFamily="34" charset="0"/>
                 <a:ea typeface="DejaVu Sans Condensed" panose="020B0606030804020204" pitchFamily="34" charset="0"/>
                 <a:cs typeface="DejaVu Sans Condensed" panose="020B0606030804020204" pitchFamily="34" charset="0"/>
@@ -3129,7 +3111,7 @@
               <a:t> push origin main(</a:t>
             </a:r>
             <a:r>
-              <a:rPr lang="zh-TW" altLang="en-US" dirty="0" smtClean="0">
+              <a:rPr lang="zh-TW" altLang="en-US" dirty="0">
                 <a:latin typeface="DejaVu Sans Condensed" panose="020B0606030804020204" pitchFamily="34" charset="0"/>
                 <a:ea typeface="DejaVu Sans Condensed" panose="020B0606030804020204" pitchFamily="34" charset="0"/>
                 <a:cs typeface="DejaVu Sans Condensed" panose="020B0606030804020204" pitchFamily="34" charset="0"/>
@@ -3137,7 +3119,7 @@
               <a:t>本地端</a:t>
             </a:r>
             <a:r>
-              <a:rPr lang="en-US" altLang="zh-TW" dirty="0" smtClean="0">
+              <a:rPr lang="en-US" altLang="zh-TW" dirty="0">
                 <a:latin typeface="DejaVu Sans Condensed" panose="020B0606030804020204" pitchFamily="34" charset="0"/>
                 <a:ea typeface="DejaVu Sans Condensed" panose="020B0606030804020204" pitchFamily="34" charset="0"/>
                 <a:cs typeface="DejaVu Sans Condensed" panose="020B0606030804020204" pitchFamily="34" charset="0"/>
@@ -3145,7 +3127,7 @@
               <a:t>&gt;</a:t>
             </a:r>
             <a:r>
-              <a:rPr lang="zh-TW" altLang="en-US" dirty="0" smtClean="0">
+              <a:rPr lang="zh-TW" altLang="en-US" dirty="0">
                 <a:latin typeface="DejaVu Sans Condensed" panose="020B0606030804020204" pitchFamily="34" charset="0"/>
                 <a:ea typeface="DejaVu Sans Condensed" panose="020B0606030804020204" pitchFamily="34" charset="0"/>
                 <a:cs typeface="DejaVu Sans Condensed" panose="020B0606030804020204" pitchFamily="34" charset="0"/>
@@ -3153,7 +3135,7 @@
               <a:t>遠端</a:t>
             </a:r>
             <a:r>
-              <a:rPr lang="en-US" altLang="zh-TW" dirty="0" smtClean="0">
+              <a:rPr lang="en-US" altLang="zh-TW" dirty="0">
                 <a:latin typeface="DejaVu Sans Condensed" panose="020B0606030804020204" pitchFamily="34" charset="0"/>
                 <a:ea typeface="DejaVu Sans Condensed" panose="020B0606030804020204" pitchFamily="34" charset="0"/>
                 <a:cs typeface="DejaVu Sans Condensed" panose="020B0606030804020204" pitchFamily="34" charset="0"/>
@@ -3163,7 +3145,7 @@
           </a:p>
           <a:p>
             <a:r>
-              <a:rPr lang="en-US" altLang="zh-TW" dirty="0" err="1" smtClean="0">
+              <a:rPr lang="en-US" altLang="zh-TW" dirty="0" err="1">
                 <a:latin typeface="DejaVu Sans Condensed" panose="020B0606030804020204" pitchFamily="34" charset="0"/>
                 <a:ea typeface="DejaVu Sans Condensed" panose="020B0606030804020204" pitchFamily="34" charset="0"/>
                 <a:cs typeface="DejaVu Sans Condensed" panose="020B0606030804020204" pitchFamily="34" charset="0"/>
@@ -3171,7 +3153,7 @@
               <a:t>Git</a:t>
             </a:r>
             <a:r>
-              <a:rPr lang="en-US" altLang="zh-TW" dirty="0" smtClean="0">
+              <a:rPr lang="en-US" altLang="zh-TW" dirty="0">
                 <a:latin typeface="DejaVu Sans Condensed" panose="020B0606030804020204" pitchFamily="34" charset="0"/>
                 <a:ea typeface="DejaVu Sans Condensed" panose="020B0606030804020204" pitchFamily="34" charset="0"/>
                 <a:cs typeface="DejaVu Sans Condensed" panose="020B0606030804020204" pitchFamily="34" charset="0"/>
@@ -3179,7 +3161,7 @@
               <a:t> pull origin main (</a:t>
             </a:r>
             <a:r>
-              <a:rPr lang="zh-TW" altLang="en-US" dirty="0" smtClean="0">
+              <a:rPr lang="zh-TW" altLang="en-US" dirty="0">
                 <a:latin typeface="DejaVu Sans Condensed" panose="020B0606030804020204" pitchFamily="34" charset="0"/>
                 <a:ea typeface="DejaVu Sans Condensed" panose="020B0606030804020204" pitchFamily="34" charset="0"/>
                 <a:cs typeface="DejaVu Sans Condensed" panose="020B0606030804020204" pitchFamily="34" charset="0"/>
@@ -3187,7 +3169,7 @@
               <a:t>更新本地端</a:t>
             </a:r>
             <a:r>
-              <a:rPr lang="en-US" altLang="zh-TW" dirty="0" smtClean="0">
+              <a:rPr lang="en-US" altLang="zh-TW" dirty="0">
                 <a:latin typeface="DejaVu Sans Condensed" panose="020B0606030804020204" pitchFamily="34" charset="0"/>
                 <a:ea typeface="DejaVu Sans Condensed" panose="020B0606030804020204" pitchFamily="34" charset="0"/>
                 <a:cs typeface="DejaVu Sans Condensed" panose="020B0606030804020204" pitchFamily="34" charset="0"/>
@@ -3246,10 +3228,9 @@
           <a:lstStyle/>
           <a:p>
             <a:r>
-              <a:rPr lang="zh-TW" altLang="en-US" dirty="0" smtClean="0"/>
+              <a:rPr lang="zh-TW" altLang="en-US" dirty="0"/>
               <a:t>分支</a:t>
             </a:r>
-            <a:endParaRPr lang="zh-TW" altLang="en-US" dirty="0"/>
           </a:p>
         </p:txBody>
       </p:sp>
@@ -3269,24 +3250,23 @@
           <a:lstStyle/>
           <a:p>
             <a:r>
-              <a:rPr lang="zh-TW" altLang="en-US" dirty="0" smtClean="0"/>
+              <a:rPr lang="zh-TW" altLang="en-US" dirty="0"/>
               <a:t>方便多人協同合作開發</a:t>
             </a:r>
-            <a:endParaRPr lang="en-US" altLang="zh-TW" dirty="0" smtClean="0"/>
-          </a:p>
-          <a:p>
-            <a:r>
-              <a:rPr lang="zh-TW" altLang="en-US" dirty="0" smtClean="0"/>
+            <a:endParaRPr lang="en-US" altLang="zh-TW" dirty="0"/>
+          </a:p>
+          <a:p>
+            <a:r>
+              <a:rPr lang="zh-TW" altLang="en-US" dirty="0"/>
               <a:t>不同分支之間彼此獨立，互不影響 </a:t>
             </a:r>
-            <a:endParaRPr lang="en-US" altLang="zh-TW" dirty="0" smtClean="0"/>
-          </a:p>
-          <a:p>
-            <a:r>
-              <a:rPr lang="zh-TW" altLang="en-US" dirty="0" smtClean="0"/>
+            <a:endParaRPr lang="en-US" altLang="zh-TW" dirty="0"/>
+          </a:p>
+          <a:p>
+            <a:r>
+              <a:rPr lang="zh-TW" altLang="en-US" dirty="0"/>
               <a:t>不同分支開發不同功能，最後再合併 </a:t>
             </a:r>
-            <a:endParaRPr lang="zh-TW" altLang="en-US" dirty="0"/>
           </a:p>
         </p:txBody>
       </p:sp>
@@ -3417,11 +3397,11 @@
           <a:lstStyle/>
           <a:p>
             <a:r>
-              <a:rPr lang="en-US" altLang="zh-TW" dirty="0" err="1" smtClean="0"/>
+              <a:rPr lang="en-US" altLang="zh-TW" dirty="0" err="1"/>
               <a:t>git</a:t>
             </a:r>
             <a:r>
-              <a:rPr lang="en-US" altLang="zh-TW" dirty="0" smtClean="0"/>
+              <a:rPr lang="en-US" altLang="zh-TW" dirty="0"/>
               <a:t> branch</a:t>
             </a:r>
             <a:endParaRPr lang="zh-TW" altLang="en-US" dirty="0"/>
@@ -3444,72 +3424,72 @@
           <a:lstStyle/>
           <a:p>
             <a:r>
-              <a:rPr lang="en-US" altLang="zh-TW" dirty="0" err="1" smtClean="0"/>
+              <a:rPr lang="en-US" altLang="zh-TW" dirty="0" err="1"/>
               <a:t>git</a:t>
             </a:r>
             <a:r>
-              <a:rPr lang="en-US" altLang="zh-TW" dirty="0" smtClean="0"/>
+              <a:rPr lang="en-US" altLang="zh-TW" dirty="0"/>
               <a:t> branch</a:t>
             </a:r>
             <a:r>
-              <a:rPr lang="zh-TW" altLang="en-US" dirty="0" smtClean="0"/>
+              <a:rPr lang="zh-TW" altLang="en-US" dirty="0"/>
               <a:t> </a:t>
             </a:r>
             <a:r>
-              <a:rPr lang="en-US" altLang="zh-TW" dirty="0" smtClean="0"/>
+              <a:rPr lang="en-US" altLang="zh-TW" dirty="0"/>
               <a:t>(</a:t>
             </a:r>
             <a:r>
-              <a:rPr lang="zh-TW" altLang="en-US" dirty="0" smtClean="0"/>
+              <a:rPr lang="zh-TW" altLang="en-US" dirty="0"/>
               <a:t>查看現有分支</a:t>
             </a:r>
             <a:r>
-              <a:rPr lang="en-US" altLang="zh-TW" dirty="0" smtClean="0"/>
+              <a:rPr lang="en-US" altLang="zh-TW" dirty="0"/>
               <a:t>)</a:t>
             </a:r>
           </a:p>
           <a:p>
             <a:r>
-              <a:rPr lang="en-US" altLang="zh-TW" dirty="0" err="1" smtClean="0"/>
+              <a:rPr lang="en-US" altLang="zh-TW" dirty="0" err="1"/>
               <a:t>git</a:t>
             </a:r>
             <a:r>
-              <a:rPr lang="en-US" altLang="zh-TW" dirty="0" smtClean="0"/>
+              <a:rPr lang="en-US" altLang="zh-TW" dirty="0"/>
               <a:t> branch</a:t>
             </a:r>
             <a:r>
-              <a:rPr lang="zh-TW" altLang="en-US" dirty="0" smtClean="0"/>
+              <a:rPr lang="zh-TW" altLang="en-US" dirty="0"/>
               <a:t> </a:t>
             </a:r>
             <a:r>
-              <a:rPr lang="en-US" altLang="zh-TW" dirty="0" smtClean="0"/>
+              <a:rPr lang="en-US" altLang="zh-TW" dirty="0"/>
               <a:t>“</a:t>
             </a:r>
             <a:r>
-              <a:rPr lang="zh-TW" altLang="en-US" dirty="0" smtClean="0"/>
+              <a:rPr lang="zh-TW" altLang="en-US" dirty="0"/>
               <a:t>新分支名稱</a:t>
             </a:r>
             <a:r>
-              <a:rPr lang="en-US" altLang="zh-TW" dirty="0" smtClean="0"/>
+              <a:rPr lang="en-US" altLang="zh-TW" dirty="0"/>
               <a:t>”</a:t>
             </a:r>
             <a:r>
-              <a:rPr lang="zh-TW" altLang="en-US" dirty="0" smtClean="0"/>
+              <a:rPr lang="zh-TW" altLang="en-US" dirty="0"/>
               <a:t> </a:t>
             </a:r>
             <a:r>
-              <a:rPr lang="en-US" altLang="zh-TW" dirty="0" smtClean="0"/>
+              <a:rPr lang="en-US" altLang="zh-TW" dirty="0"/>
               <a:t>(</a:t>
             </a:r>
             <a:r>
-              <a:rPr lang="zh-TW" altLang="en-US" dirty="0" smtClean="0"/>
+              <a:rPr lang="zh-TW" altLang="en-US" dirty="0"/>
               <a:t>建立新分支</a:t>
             </a:r>
             <a:r>
-              <a:rPr lang="en-US" altLang="zh-TW" dirty="0" smtClean="0"/>
+              <a:rPr lang="en-US" altLang="zh-TW" dirty="0"/>
               <a:t>)</a:t>
             </a:r>
-            <a:endParaRPr lang="zh-TW" altLang="en-US" dirty="0" smtClean="0"/>
+            <a:endParaRPr lang="zh-TW" altLang="en-US" dirty="0"/>
           </a:p>
           <a:p>
             <a:endParaRPr lang="zh-TW" altLang="en-US" dirty="0"/>
@@ -3562,10 +3542,9 @@
           <a:lstStyle/>
           <a:p>
             <a:r>
-              <a:rPr lang="zh-TW" altLang="en-US" dirty="0" smtClean="0"/>
+              <a:rPr lang="zh-TW" altLang="en-US" dirty="0"/>
               <a:t>切換分支</a:t>
             </a:r>
-            <a:endParaRPr lang="zh-TW" altLang="en-US" dirty="0"/>
           </a:p>
         </p:txBody>
       </p:sp>
@@ -3585,27 +3564,27 @@
           <a:lstStyle/>
           <a:p>
             <a:r>
-              <a:rPr lang="en-US" altLang="zh-TW" dirty="0" err="1" smtClean="0"/>
+              <a:rPr lang="en-US" altLang="zh-TW" dirty="0" err="1"/>
               <a:t>git</a:t>
             </a:r>
             <a:r>
-              <a:rPr lang="en-US" altLang="zh-TW" dirty="0" smtClean="0"/>
+              <a:rPr lang="en-US" altLang="zh-TW" dirty="0"/>
               <a:t> checkout</a:t>
             </a:r>
             <a:r>
-              <a:rPr lang="zh-TW" altLang="en-US" dirty="0" smtClean="0"/>
+              <a:rPr lang="zh-TW" altLang="en-US" dirty="0"/>
               <a:t> </a:t>
             </a:r>
             <a:r>
-              <a:rPr lang="en-US" altLang="zh-TW" dirty="0" smtClean="0"/>
+              <a:rPr lang="en-US" altLang="zh-TW" dirty="0"/>
               <a:t>“</a:t>
             </a:r>
             <a:r>
-              <a:rPr lang="zh-TW" altLang="en-US" dirty="0" smtClean="0"/>
+              <a:rPr lang="zh-TW" altLang="en-US" dirty="0"/>
               <a:t>分支名稱</a:t>
             </a:r>
             <a:r>
-              <a:rPr lang="en-US" altLang="zh-TW" dirty="0" smtClean="0"/>
+              <a:rPr lang="en-US" altLang="zh-TW" dirty="0"/>
               <a:t>”</a:t>
             </a:r>
             <a:endParaRPr lang="zh-TW" altLang="en-US" dirty="0"/>
@@ -3658,11 +3637,11 @@
           <a:lstStyle/>
           <a:p>
             <a:r>
-              <a:rPr lang="zh-TW" altLang="en-US" dirty="0" smtClean="0"/>
+              <a:rPr lang="zh-TW" altLang="en-US" dirty="0"/>
               <a:t>合併分支 </a:t>
             </a:r>
             <a:r>
-              <a:rPr lang="en-US" altLang="zh-TW" dirty="0" smtClean="0"/>
+              <a:rPr lang="en-US" altLang="zh-TW" dirty="0"/>
               <a:t>Merge </a:t>
             </a:r>
             <a:endParaRPr lang="zh-TW" altLang="en-US" dirty="0"/>
@@ -3685,54 +3664,54 @@
           <a:lstStyle/>
           <a:p>
             <a:r>
-              <a:rPr lang="zh-TW" altLang="en-US" dirty="0" smtClean="0"/>
+              <a:rPr lang="zh-TW" altLang="en-US" dirty="0"/>
               <a:t>功能開發完畢後，合併回 </a:t>
             </a:r>
             <a:r>
-              <a:rPr lang="en-US" altLang="zh-TW" dirty="0" smtClean="0"/>
+              <a:rPr lang="en-US" altLang="zh-TW" dirty="0"/>
               <a:t>main </a:t>
             </a:r>
             <a:r>
-              <a:rPr lang="zh-TW" altLang="en-US" dirty="0" smtClean="0"/>
+              <a:rPr lang="zh-TW" altLang="en-US" dirty="0"/>
               <a:t>分支 </a:t>
             </a:r>
-            <a:endParaRPr lang="en-US" altLang="zh-TW" dirty="0" smtClean="0"/>
-          </a:p>
-          <a:p>
-            <a:r>
-              <a:rPr lang="zh-TW" altLang="en-US" dirty="0" smtClean="0"/>
+            <a:endParaRPr lang="en-US" altLang="zh-TW" dirty="0"/>
+          </a:p>
+          <a:p>
+            <a:r>
+              <a:rPr lang="zh-TW" altLang="en-US" dirty="0"/>
               <a:t>在 </a:t>
             </a:r>
             <a:r>
-              <a:rPr lang="en-US" altLang="zh-TW" dirty="0" smtClean="0"/>
+              <a:rPr lang="en-US" altLang="zh-TW" dirty="0"/>
               <a:t>main </a:t>
             </a:r>
             <a:r>
-              <a:rPr lang="zh-TW" altLang="en-US" dirty="0" smtClean="0"/>
+              <a:rPr lang="zh-TW" altLang="en-US" dirty="0"/>
               <a:t>分支輸入 </a:t>
             </a:r>
             <a:r>
-              <a:rPr lang="en-US" altLang="zh-TW" dirty="0" err="1" smtClean="0"/>
+              <a:rPr lang="en-US" altLang="zh-TW" dirty="0" err="1"/>
               <a:t>git</a:t>
             </a:r>
             <a:r>
-              <a:rPr lang="en-US" altLang="zh-TW" dirty="0" smtClean="0"/>
+              <a:rPr lang="en-US" altLang="zh-TW" dirty="0"/>
               <a:t> merge “</a:t>
             </a:r>
             <a:r>
-              <a:rPr lang="zh-TW" altLang="en-US" dirty="0" smtClean="0"/>
+              <a:rPr lang="zh-TW" altLang="en-US" dirty="0"/>
               <a:t>分支名稱</a:t>
             </a:r>
             <a:r>
-              <a:rPr lang="en-US" altLang="zh-TW" dirty="0" smtClean="0"/>
+              <a:rPr lang="en-US" altLang="zh-TW" dirty="0"/>
               <a:t>”</a:t>
             </a:r>
             <a:r>
-              <a:rPr lang="zh-TW" altLang="en-US" dirty="0" smtClean="0"/>
+              <a:rPr lang="zh-TW" altLang="en-US" dirty="0"/>
               <a:t>，即可將此分支的修改項目合併回 </a:t>
             </a:r>
             <a:r>
-              <a:rPr lang="en-US" altLang="zh-TW" dirty="0" smtClean="0"/>
+              <a:rPr lang="en-US" altLang="zh-TW" dirty="0"/>
               <a:t>main</a:t>
             </a:r>
             <a:endParaRPr lang="zh-TW" altLang="en-US" dirty="0"/>
@@ -3785,10 +3764,9 @@
           <a:lstStyle/>
           <a:p>
             <a:r>
-              <a:rPr lang="zh-TW" altLang="en-US" dirty="0" smtClean="0"/>
+              <a:rPr lang="zh-TW" altLang="en-US" dirty="0"/>
               <a:t>刪除分支</a:t>
             </a:r>
-            <a:endParaRPr lang="zh-TW" altLang="en-US" dirty="0"/>
           </a:p>
         </p:txBody>
       </p:sp>
@@ -3808,19 +3786,19 @@
           <a:lstStyle/>
           <a:p>
             <a:r>
-              <a:rPr lang="en-US" altLang="zh-TW" dirty="0" err="1" smtClean="0"/>
+              <a:rPr lang="en-US" altLang="zh-TW" dirty="0" err="1"/>
               <a:t>Git</a:t>
             </a:r>
             <a:r>
-              <a:rPr lang="en-US" altLang="zh-TW" dirty="0" smtClean="0"/>
+              <a:rPr lang="en-US" altLang="zh-TW" dirty="0"/>
               <a:t> push origin :”</a:t>
             </a:r>
             <a:r>
-              <a:rPr lang="zh-TW" altLang="en-US" dirty="0" smtClean="0"/>
+              <a:rPr lang="zh-TW" altLang="en-US" dirty="0"/>
               <a:t>分支名稱</a:t>
             </a:r>
             <a:r>
-              <a:rPr lang="en-US" altLang="zh-TW" dirty="0" smtClean="0"/>
+              <a:rPr lang="en-US" altLang="zh-TW" dirty="0"/>
               <a:t>“</a:t>
             </a:r>
             <a:endParaRPr lang="zh-TW" altLang="en-US" dirty="0"/>
@@ -3873,12 +3851,8 @@
           <a:lstStyle/>
           <a:p>
             <a:r>
-              <a:rPr lang="en-US" altLang="zh-TW" dirty="0" smtClean="0"/>
-              <a:t>.</a:t>
-            </a:r>
-            <a:r>
-              <a:rPr lang="en-US" altLang="zh-TW" dirty="0"/>
-              <a:t> </a:t>
+              <a:rPr lang="en-US" altLang="zh-TW" dirty="0"/>
+              <a:t>. </a:t>
             </a:r>
             <a:r>
               <a:rPr lang="en-US" altLang="zh-TW" dirty="0" err="1"/>
@@ -3889,27 +3863,27 @@
               <a:t> </a:t>
             </a:r>
             <a:r>
-              <a:rPr lang="zh-TW" altLang="en-US" dirty="0" smtClean="0"/>
+              <a:rPr lang="zh-TW" altLang="en-US" dirty="0"/>
               <a:t>文件</a:t>
             </a:r>
             <a:r>
-              <a:rPr lang="en-US" altLang="zh-TW" dirty="0" smtClean="0"/>
+              <a:rPr lang="en-US" altLang="zh-TW" dirty="0"/>
               <a:t>(</a:t>
             </a:r>
             <a:r>
-              <a:rPr lang="zh-TW" altLang="en-US" dirty="0" smtClean="0"/>
+              <a:rPr lang="zh-TW" altLang="en-US" dirty="0"/>
               <a:t>加在上傳至</a:t>
             </a:r>
             <a:r>
-              <a:rPr lang="en-US" altLang="zh-TW" dirty="0" err="1" smtClean="0"/>
+              <a:rPr lang="en-US" altLang="zh-TW" dirty="0" err="1"/>
               <a:t>github</a:t>
             </a:r>
             <a:r>
-              <a:rPr lang="zh-TW" altLang="en-US" dirty="0" smtClean="0"/>
+              <a:rPr lang="zh-TW" altLang="en-US" dirty="0"/>
               <a:t> 下一頁</a:t>
             </a:r>
             <a:r>
-              <a:rPr lang="en-US" altLang="zh-TW" smtClean="0"/>
+              <a:rPr lang="en-US" altLang="zh-TW"/>
               <a:t>)</a:t>
             </a:r>
             <a:endParaRPr lang="zh-TW" altLang="en-US" dirty="0"/>
@@ -3965,32 +3939,28 @@
             </a:r>
             <a:r>
               <a:rPr lang="zh-TW" altLang="en-US" dirty="0"/>
-              <a:t>的檔案</a:t>
-            </a:r>
-            <a:r>
-              <a:rPr lang="zh-TW" altLang="en-US" dirty="0" smtClean="0"/>
-              <a:t>寫入</a:t>
-            </a:r>
-            <a:endParaRPr lang="en-US" altLang="zh-TW" dirty="0" smtClean="0"/>
-          </a:p>
-          <a:p>
+              <a:t>的檔案寫入</a:t>
+            </a:r>
             <a:endParaRPr lang="en-US" altLang="zh-TW" dirty="0"/>
           </a:p>
           <a:p>
-            <a:r>
-              <a:rPr lang="en-US" altLang="zh-TW" dirty="0" smtClean="0"/>
+            <a:endParaRPr lang="en-US" altLang="zh-TW" dirty="0"/>
+          </a:p>
+          <a:p>
+            <a:r>
+              <a:rPr lang="en-US" altLang="zh-TW" dirty="0"/>
               <a:t>Main.py</a:t>
             </a:r>
           </a:p>
           <a:p>
             <a:r>
-              <a:rPr lang="en-US" altLang="zh-TW" dirty="0" smtClean="0"/>
+              <a:rPr lang="en-US" altLang="zh-TW" dirty="0"/>
               <a:t>Main/</a:t>
             </a:r>
           </a:p>
           <a:p>
             <a:r>
-              <a:rPr lang="en-US" altLang="zh-TW" dirty="0" smtClean="0"/>
+              <a:rPr lang="en-US" altLang="zh-TW" dirty="0"/>
               <a:t>*.txt</a:t>
             </a:r>
             <a:endParaRPr lang="zh-TW" altLang="en-US" dirty="0"/>
@@ -4043,23 +4013,19 @@
           <a:lstStyle/>
           <a:p>
             <a:r>
-              <a:rPr lang="zh-TW" altLang="en-US" dirty="0" smtClean="0"/>
+              <a:rPr lang="zh-TW" altLang="en-US" dirty="0"/>
               <a:t>初始設定</a:t>
             </a:r>
             <a:r>
-              <a:rPr lang="en-US" altLang="zh-TW" dirty="0" smtClean="0"/>
+              <a:rPr lang="en-US" altLang="zh-TW" dirty="0"/>
               <a:t>(</a:t>
             </a:r>
             <a:r>
               <a:rPr lang="zh-TW" altLang="en-US" dirty="0"/>
-              <a:t>改成第一</a:t>
-            </a:r>
-            <a:r>
-              <a:rPr lang="zh-TW" altLang="en-US" dirty="0" smtClean="0"/>
-              <a:t>步 其他往後推</a:t>
-            </a:r>
-            <a:r>
-              <a:rPr lang="en-US" altLang="zh-TW" dirty="0" smtClean="0"/>
+              <a:t>改成第一步 其他往後推</a:t>
+            </a:r>
+            <a:r>
+              <a:rPr lang="en-US" altLang="zh-TW" dirty="0"/>
               <a:t>)</a:t>
             </a:r>
             <a:endParaRPr lang="zh-TW" altLang="en-US" dirty="0"/>
@@ -4105,15 +4071,14 @@
               <a:rPr lang="en-US" altLang="zh-TW" dirty="0"/>
               <a:t> "you@example.com" </a:t>
             </a:r>
-            <a:endParaRPr lang="en-US" altLang="zh-TW" dirty="0" smtClean="0"/>
-          </a:p>
-          <a:p>
-            <a:r>
-              <a:rPr lang="en-US" altLang="zh-TW" dirty="0" err="1" smtClean="0"/>
+          </a:p>
+          <a:p>
+            <a:r>
+              <a:rPr lang="en-US" altLang="zh-TW" dirty="0" err="1"/>
               <a:t>git</a:t>
             </a:r>
             <a:r>
-              <a:rPr lang="en-US" altLang="zh-TW" dirty="0" smtClean="0"/>
+              <a:rPr lang="en-US" altLang="zh-TW" dirty="0"/>
               <a:t> </a:t>
             </a:r>
             <a:r>
@@ -4182,11 +4147,11 @@
           <a:lstStyle/>
           <a:p>
             <a:r>
-              <a:rPr lang="zh-TW" altLang="en-US" dirty="0" smtClean="0"/>
+              <a:rPr lang="zh-TW" altLang="en-US" dirty="0"/>
               <a:t>為何需要版本控制</a:t>
             </a:r>
             <a:r>
-              <a:rPr lang="en-US" altLang="zh-TW" dirty="0" smtClean="0"/>
+              <a:rPr lang="en-US" altLang="zh-TW" dirty="0"/>
               <a:t>?</a:t>
             </a:r>
             <a:endParaRPr lang="zh-TW" altLang="en-US" dirty="0"/>
@@ -4209,31 +4174,30 @@
           <a:lstStyle/>
           <a:p>
             <a:r>
-              <a:rPr lang="zh-TW" altLang="en-US" dirty="0" smtClean="0"/>
+              <a:rPr lang="zh-TW" altLang="en-US" dirty="0"/>
               <a:t>為解決以下問題：</a:t>
             </a:r>
-            <a:endParaRPr lang="en-US" altLang="zh-TW" dirty="0" smtClean="0"/>
-          </a:p>
-          <a:p>
-            <a:r>
-              <a:rPr lang="zh-TW" altLang="en-US" dirty="0" smtClean="0"/>
+            <a:endParaRPr lang="en-US" altLang="zh-TW" dirty="0"/>
+          </a:p>
+          <a:p>
+            <a:r>
+              <a:rPr lang="zh-TW" altLang="en-US" dirty="0"/>
               <a:t>避免同時管理過多類似的檔案 </a:t>
             </a:r>
-            <a:endParaRPr lang="en-US" altLang="zh-TW" dirty="0" smtClean="0"/>
-          </a:p>
-          <a:p>
-            <a:r>
-              <a:rPr lang="zh-TW" altLang="en-US" dirty="0" smtClean="0"/>
+            <a:endParaRPr lang="en-US" altLang="zh-TW" dirty="0"/>
+          </a:p>
+          <a:p>
+            <a:r>
+              <a:rPr lang="zh-TW" altLang="en-US" dirty="0"/>
               <a:t>快速備份還原資料 </a:t>
             </a:r>
-            <a:endParaRPr lang="en-US" altLang="zh-TW" dirty="0" smtClean="0"/>
-          </a:p>
-          <a:p>
-            <a:r>
-              <a:rPr lang="zh-TW" altLang="en-US" dirty="0" smtClean="0"/>
+            <a:endParaRPr lang="en-US" altLang="zh-TW" dirty="0"/>
+          </a:p>
+          <a:p>
+            <a:r>
+              <a:rPr lang="zh-TW" altLang="en-US" dirty="0"/>
               <a:t>於不同版本進行切換</a:t>
             </a:r>
-            <a:endParaRPr lang="zh-TW" altLang="en-US" dirty="0"/>
           </a:p>
         </p:txBody>
       </p:sp>
@@ -4283,14 +4247,13 @@
           <a:lstStyle/>
           <a:p>
             <a:r>
-              <a:rPr lang="en-US" altLang="zh-TW" dirty="0" err="1" smtClean="0"/>
+              <a:rPr lang="en-US" altLang="zh-TW" dirty="0" err="1"/>
               <a:t>Git</a:t>
             </a:r>
             <a:r>
-              <a:rPr lang="zh-TW" altLang="en-US" dirty="0" smtClean="0"/>
+              <a:rPr lang="zh-TW" altLang="en-US" dirty="0"/>
               <a:t>用途</a:t>
             </a:r>
-            <a:endParaRPr lang="zh-TW" altLang="en-US" dirty="0"/>
           </a:p>
         </p:txBody>
       </p:sp>
@@ -4313,46 +4276,46 @@
               <a:buNone/>
             </a:pPr>
             <a:r>
-              <a:rPr lang="en-US" altLang="zh-TW" dirty="0" smtClean="0"/>
+              <a:rPr lang="en-US" altLang="zh-TW" dirty="0"/>
               <a:t>• </a:t>
             </a:r>
             <a:r>
-              <a:rPr lang="en-US" altLang="zh-TW" dirty="0" err="1" smtClean="0"/>
+              <a:rPr lang="en-US" altLang="zh-TW" dirty="0" err="1"/>
               <a:t>Git</a:t>
             </a:r>
             <a:r>
-              <a:rPr lang="en-US" altLang="zh-TW" dirty="0" smtClean="0"/>
+              <a:rPr lang="en-US" altLang="zh-TW" dirty="0"/>
               <a:t> </a:t>
             </a:r>
             <a:r>
-              <a:rPr lang="zh-TW" altLang="en-US" dirty="0" smtClean="0"/>
+              <a:rPr lang="zh-TW" altLang="en-US" dirty="0"/>
               <a:t>是一種版本控制工具</a:t>
             </a:r>
-            <a:endParaRPr lang="en-US" altLang="zh-TW" dirty="0" smtClean="0"/>
+            <a:endParaRPr lang="en-US" altLang="zh-TW" dirty="0"/>
           </a:p>
           <a:p>
             <a:pPr marL="0" indent="0">
               <a:buNone/>
             </a:pPr>
             <a:r>
-              <a:rPr lang="en-US" altLang="zh-TW" dirty="0" smtClean="0"/>
+              <a:rPr lang="en-US" altLang="zh-TW" dirty="0"/>
               <a:t>• </a:t>
             </a:r>
             <a:r>
-              <a:rPr lang="zh-TW" altLang="en-US" dirty="0" smtClean="0"/>
+              <a:rPr lang="zh-TW" altLang="en-US" dirty="0"/>
               <a:t>可在專案中隨時切換版本，不須同時創立多個檔案</a:t>
             </a:r>
-            <a:endParaRPr lang="en-US" altLang="zh-TW" dirty="0" smtClean="0"/>
+            <a:endParaRPr lang="en-US" altLang="zh-TW" dirty="0"/>
           </a:p>
           <a:p>
             <a:pPr marL="0" indent="0">
               <a:buNone/>
             </a:pPr>
             <a:r>
-              <a:rPr lang="zh-TW" altLang="en-US" dirty="0" smtClean="0"/>
+              <a:rPr lang="zh-TW" altLang="en-US" dirty="0"/>
               <a:t>可以備份檔案</a:t>
             </a:r>
-            <a:endParaRPr lang="en-US" altLang="zh-TW" dirty="0" smtClean="0"/>
+            <a:endParaRPr lang="en-US" altLang="zh-TW" dirty="0"/>
           </a:p>
           <a:p>
             <a:pPr marL="0" indent="0">
@@ -4364,25 +4327,20 @@
             </a:r>
             <a:r>
               <a:rPr lang="zh-TW" altLang="en-US"/>
-              <a:t>合作</a:t>
-            </a:r>
-            <a:r>
-              <a:rPr lang="zh-TW" altLang="en-US" smtClean="0"/>
-              <a:t>開發</a:t>
+              <a:t>合作開發</a:t>
             </a:r>
             <a:r>
               <a:rPr lang="zh-TW" altLang="en-US" dirty="0"/>
               <a:t>，</a:t>
             </a:r>
             <a:r>
-              <a:rPr lang="zh-TW" altLang="en-US" smtClean="0"/>
+              <a:rPr lang="zh-TW" altLang="en-US"/>
               <a:t>分為</a:t>
             </a:r>
             <a:r>
-              <a:rPr lang="zh-TW" altLang="en-US" dirty="0" smtClean="0"/>
+              <a:rPr lang="zh-TW" altLang="en-US" dirty="0"/>
               <a:t>本地和遠端，開發者可在本地開發並推到遠端進行整合</a:t>
             </a:r>
-            <a:endParaRPr lang="zh-TW" altLang="en-US" dirty="0"/>
           </a:p>
         </p:txBody>
       </p:sp>
@@ -4454,19 +4412,19 @@
               <a:buNone/>
             </a:pPr>
             <a:r>
-              <a:rPr lang="en-US" altLang="zh-TW" dirty="0" smtClean="0"/>
+              <a:rPr lang="en-US" altLang="zh-TW" dirty="0"/>
               <a:t>1</a:t>
             </a:r>
             <a:r>
-              <a:rPr lang="zh-TW" altLang="en-US" dirty="0" smtClean="0"/>
+              <a:rPr lang="zh-TW" altLang="en-US" dirty="0"/>
               <a:t>工作目錄</a:t>
             </a:r>
             <a:r>
-              <a:rPr lang="en-US" altLang="zh-TW" dirty="0" smtClean="0"/>
+              <a:rPr lang="en-US" altLang="zh-TW" dirty="0"/>
               <a:t>:</a:t>
             </a:r>
             <a:r>
-              <a:rPr lang="en-US" altLang="zh-TW" dirty="0" smtClean="0">
+              <a:rPr lang="en-US" altLang="zh-TW" dirty="0">
                 <a:solidFill>
                   <a:srgbClr val="FF0000"/>
                 </a:solidFill>
@@ -4479,15 +4437,15 @@
               <a:buNone/>
             </a:pPr>
             <a:r>
-              <a:rPr lang="en-US" altLang="zh-TW" dirty="0" smtClean="0"/>
+              <a:rPr lang="en-US" altLang="zh-TW" dirty="0"/>
               <a:t>(</a:t>
             </a:r>
             <a:r>
-              <a:rPr lang="en-US" altLang="zh-TW" dirty="0" err="1" smtClean="0"/>
+              <a:rPr lang="en-US" altLang="zh-TW" dirty="0" err="1"/>
               <a:t>Git</a:t>
             </a:r>
             <a:r>
-              <a:rPr lang="en-US" altLang="zh-TW" dirty="0" smtClean="0"/>
+              <a:rPr lang="en-US" altLang="zh-TW" dirty="0"/>
               <a:t> add)</a:t>
             </a:r>
           </a:p>
@@ -4496,19 +4454,19 @@
               <a:buNone/>
             </a:pPr>
             <a:r>
-              <a:rPr lang="en-US" altLang="zh-TW" dirty="0" smtClean="0"/>
+              <a:rPr lang="en-US" altLang="zh-TW" dirty="0"/>
               <a:t>2</a:t>
             </a:r>
             <a:r>
-              <a:rPr lang="zh-TW" altLang="en-US" dirty="0" smtClean="0"/>
+              <a:rPr lang="zh-TW" altLang="en-US" dirty="0"/>
               <a:t>集合區</a:t>
             </a:r>
             <a:r>
-              <a:rPr lang="en-US" altLang="zh-TW" dirty="0" smtClean="0"/>
+              <a:rPr lang="en-US" altLang="zh-TW" dirty="0"/>
               <a:t>:</a:t>
             </a:r>
             <a:r>
-              <a:rPr lang="en-US" altLang="zh-TW" dirty="0" smtClean="0">
+              <a:rPr lang="en-US" altLang="zh-TW" dirty="0">
                 <a:solidFill>
                   <a:srgbClr val="00B050"/>
                 </a:solidFill>
@@ -4521,15 +4479,15 @@
               <a:buNone/>
             </a:pPr>
             <a:r>
-              <a:rPr lang="en-US" altLang="zh-TW" dirty="0" smtClean="0"/>
+              <a:rPr lang="en-US" altLang="zh-TW" dirty="0"/>
               <a:t>(</a:t>
             </a:r>
             <a:r>
-              <a:rPr lang="en-US" altLang="zh-TW" dirty="0" err="1" smtClean="0"/>
+              <a:rPr lang="en-US" altLang="zh-TW" dirty="0" err="1"/>
               <a:t>Git</a:t>
             </a:r>
             <a:r>
-              <a:rPr lang="en-US" altLang="zh-TW" dirty="0" smtClean="0"/>
+              <a:rPr lang="en-US" altLang="zh-TW" dirty="0"/>
               <a:t> commit )</a:t>
             </a:r>
           </a:p>
@@ -4538,25 +4496,25 @@
               <a:buNone/>
             </a:pPr>
             <a:r>
-              <a:rPr lang="en-US" altLang="zh-TW" dirty="0" smtClean="0"/>
+              <a:rPr lang="en-US" altLang="zh-TW" dirty="0"/>
               <a:t>3</a:t>
             </a:r>
             <a:r>
-              <a:rPr lang="zh-TW" altLang="en-US" dirty="0" smtClean="0"/>
+              <a:rPr lang="zh-TW" altLang="en-US" dirty="0"/>
               <a:t>本地端</a:t>
             </a:r>
-            <a:endParaRPr lang="en-US" altLang="zh-TW" dirty="0" smtClean="0"/>
+            <a:endParaRPr lang="en-US" altLang="zh-TW" dirty="0"/>
           </a:p>
           <a:p>
             <a:pPr marL="0" indent="0">
               <a:buNone/>
             </a:pPr>
             <a:r>
-              <a:rPr lang="en-US" altLang="zh-TW" dirty="0" err="1" smtClean="0"/>
+              <a:rPr lang="en-US" altLang="zh-TW" dirty="0" err="1"/>
               <a:t>Git</a:t>
             </a:r>
             <a:r>
-              <a:rPr lang="en-US" altLang="zh-TW" dirty="0" smtClean="0"/>
+              <a:rPr lang="en-US" altLang="zh-TW" dirty="0"/>
               <a:t> push</a:t>
             </a:r>
           </a:p>
@@ -4565,14 +4523,13 @@
               <a:buNone/>
             </a:pPr>
             <a:r>
-              <a:rPr lang="en-US" altLang="zh-TW" dirty="0" smtClean="0"/>
+              <a:rPr lang="en-US" altLang="zh-TW" dirty="0"/>
               <a:t>4</a:t>
             </a:r>
             <a:r>
-              <a:rPr lang="zh-TW" altLang="en-US" dirty="0" smtClean="0"/>
+              <a:rPr lang="zh-TW" altLang="en-US" dirty="0"/>
               <a:t>遠端</a:t>
             </a:r>
-            <a:endParaRPr lang="zh-TW" altLang="en-US" dirty="0"/>
           </a:p>
         </p:txBody>
       </p:sp>
@@ -4721,26 +4678,25 @@
           <a:lstStyle/>
           <a:p>
             <a:r>
-              <a:rPr lang="en-US" altLang="zh-TW" dirty="0" err="1" smtClean="0"/>
+              <a:rPr lang="en-US" altLang="zh-TW" dirty="0" err="1"/>
               <a:t>Git</a:t>
             </a:r>
             <a:r>
-              <a:rPr lang="en-US" altLang="zh-TW" dirty="0" smtClean="0"/>
+              <a:rPr lang="en-US" altLang="zh-TW" dirty="0"/>
               <a:t> </a:t>
             </a:r>
             <a:r>
-              <a:rPr lang="zh-TW" altLang="en-US" dirty="0" smtClean="0"/>
+              <a:rPr lang="zh-TW" altLang="en-US" dirty="0"/>
               <a:t>與 </a:t>
             </a:r>
             <a:r>
-              <a:rPr lang="en-US" altLang="zh-TW" dirty="0" smtClean="0"/>
+              <a:rPr lang="en-US" altLang="zh-TW" dirty="0"/>
               <a:t>GitHub </a:t>
             </a:r>
             <a:r>
-              <a:rPr lang="zh-TW" altLang="en-US" dirty="0" smtClean="0"/>
+              <a:rPr lang="zh-TW" altLang="en-US" dirty="0"/>
               <a:t>的關係</a:t>
             </a:r>
-            <a:endParaRPr lang="zh-TW" altLang="en-US" dirty="0"/>
           </a:p>
         </p:txBody>
       </p:sp>
@@ -4762,59 +4718,59 @@
             <a:pPr marL="0" indent="0">
               <a:buNone/>
             </a:pPr>
-            <a:endParaRPr lang="en-US" altLang="zh-TW" dirty="0" smtClean="0"/>
+            <a:endParaRPr lang="en-US" altLang="zh-TW" dirty="0"/>
           </a:p>
           <a:p>
             <a:pPr marL="0" indent="0">
               <a:buNone/>
             </a:pPr>
             <a:r>
-              <a:rPr lang="en-US" altLang="zh-TW" dirty="0" err="1" smtClean="0"/>
+              <a:rPr lang="en-US" altLang="zh-TW" dirty="0" err="1"/>
               <a:t>Git</a:t>
             </a:r>
             <a:r>
-              <a:rPr lang="en-US" altLang="zh-TW" dirty="0" smtClean="0"/>
+              <a:rPr lang="en-US" altLang="zh-TW" dirty="0"/>
               <a:t> </a:t>
             </a:r>
             <a:r>
-              <a:rPr lang="zh-TW" altLang="en-US" dirty="0" smtClean="0"/>
+              <a:rPr lang="zh-TW" altLang="en-US" dirty="0"/>
               <a:t>：是版本控制軟體。</a:t>
             </a:r>
-            <a:endParaRPr lang="en-US" altLang="zh-TW" dirty="0" smtClean="0"/>
+            <a:endParaRPr lang="en-US" altLang="zh-TW" dirty="0"/>
           </a:p>
           <a:p>
             <a:pPr marL="0" indent="0">
               <a:buNone/>
             </a:pPr>
             <a:r>
-              <a:rPr lang="en-US" altLang="zh-TW" dirty="0" smtClean="0"/>
+              <a:rPr lang="en-US" altLang="zh-TW" dirty="0"/>
               <a:t>GitHub</a:t>
             </a:r>
             <a:r>
-              <a:rPr lang="zh-TW" altLang="en-US" dirty="0" smtClean="0"/>
+              <a:rPr lang="zh-TW" altLang="en-US" dirty="0"/>
               <a:t>：線上平台，提供使用者利用 </a:t>
             </a:r>
             <a:r>
-              <a:rPr lang="en-US" altLang="zh-TW" dirty="0" err="1" smtClean="0"/>
+              <a:rPr lang="en-US" altLang="zh-TW" dirty="0" err="1"/>
               <a:t>Git</a:t>
             </a:r>
             <a:r>
-              <a:rPr lang="en-US" altLang="zh-TW" dirty="0" smtClean="0"/>
+              <a:rPr lang="en-US" altLang="zh-TW" dirty="0"/>
               <a:t> </a:t>
             </a:r>
             <a:r>
-              <a:rPr lang="zh-TW" altLang="en-US" dirty="0" smtClean="0"/>
+              <a:rPr lang="zh-TW" altLang="en-US" dirty="0"/>
               <a:t>將程式碼託管於 </a:t>
             </a:r>
             <a:r>
-              <a:rPr lang="en-US" altLang="zh-TW" dirty="0" smtClean="0"/>
+              <a:rPr lang="en-US" altLang="zh-TW" dirty="0"/>
               <a:t>GitHub</a:t>
             </a:r>
             <a:r>
-              <a:rPr lang="zh-TW" altLang="en-US" dirty="0" smtClean="0"/>
+              <a:rPr lang="zh-TW" altLang="en-US" dirty="0"/>
               <a:t>。</a:t>
             </a:r>
-            <a:endParaRPr lang="en-US" altLang="zh-TW" dirty="0" smtClean="0"/>
+            <a:endParaRPr lang="en-US" altLang="zh-TW" dirty="0"/>
           </a:p>
           <a:p>
             <a:pPr marL="0" indent="0">
@@ -4870,11 +4826,11 @@
           <a:lstStyle/>
           <a:p>
             <a:r>
-              <a:rPr lang="zh-TW" altLang="en-US" dirty="0" smtClean="0"/>
+              <a:rPr lang="zh-TW" altLang="en-US" dirty="0"/>
               <a:t>第一步</a:t>
             </a:r>
             <a:r>
-              <a:rPr lang="en-US" altLang="zh-TW" dirty="0" smtClean="0"/>
+              <a:rPr lang="en-US" altLang="zh-TW" dirty="0"/>
               <a:t>!!!</a:t>
             </a:r>
             <a:endParaRPr lang="zh-TW" altLang="en-US" dirty="0"/>
@@ -4941,58 +4897,30 @@
                 <a:latin typeface="DejaVu Sans Condensed" panose="020B0606030804020204" pitchFamily="34" charset="0"/>
                 <a:cs typeface="DejaVu Sans Condensed" panose="020B0606030804020204" pitchFamily="34" charset="0"/>
               </a:rPr>
-              <a:t>將</a:t>
-            </a:r>
-            <a:r>
-              <a:rPr lang="zh-TW" altLang="en-US" dirty="0" smtClean="0">
-                <a:latin typeface="DejaVu Sans Condensed" panose="020B0606030804020204" pitchFamily="34" charset="0"/>
-                <a:cs typeface="DejaVu Sans Condensed" panose="020B0606030804020204" pitchFamily="34" charset="0"/>
-              </a:rPr>
-              <a:t>檔案</a:t>
+              <a:t>將檔案從遠端下載至本地端</a:t>
+            </a:r>
+            <a:r>
+              <a:rPr lang="en-US" altLang="zh-TW" dirty="0">
+                <a:latin typeface="DejaVu Sans Condensed" panose="020B0606030804020204" pitchFamily="34" charset="0"/>
+                <a:cs typeface="DejaVu Sans Condensed" panose="020B0606030804020204" pitchFamily="34" charset="0"/>
+              </a:rPr>
+              <a:t>)</a:t>
             </a:r>
             <a:r>
               <a:rPr lang="zh-TW" altLang="en-US" dirty="0">
                 <a:latin typeface="DejaVu Sans Condensed" panose="020B0606030804020204" pitchFamily="34" charset="0"/>
                 <a:cs typeface="DejaVu Sans Condensed" panose="020B0606030804020204" pitchFamily="34" charset="0"/>
               </a:rPr>
-              <a:t>從遠端</a:t>
-            </a:r>
-            <a:r>
-              <a:rPr lang="zh-TW" altLang="en-US" dirty="0" smtClean="0">
-                <a:latin typeface="DejaVu Sans Condensed" panose="020B0606030804020204" pitchFamily="34" charset="0"/>
-                <a:cs typeface="DejaVu Sans Condensed" panose="020B0606030804020204" pitchFamily="34" charset="0"/>
-              </a:rPr>
-              <a:t>下載</a:t>
-            </a:r>
-            <a:r>
-              <a:rPr lang="zh-TW" altLang="en-US" dirty="0">
-                <a:latin typeface="DejaVu Sans Condensed" panose="020B0606030804020204" pitchFamily="34" charset="0"/>
-                <a:cs typeface="DejaVu Sans Condensed" panose="020B0606030804020204" pitchFamily="34" charset="0"/>
-              </a:rPr>
-              <a:t>至本地端</a:t>
-            </a:r>
-            <a:r>
-              <a:rPr lang="en-US" altLang="zh-TW" dirty="0">
-                <a:latin typeface="DejaVu Sans Condensed" panose="020B0606030804020204" pitchFamily="34" charset="0"/>
-                <a:cs typeface="DejaVu Sans Condensed" panose="020B0606030804020204" pitchFamily="34" charset="0"/>
-              </a:rPr>
-              <a:t>)</a:t>
-            </a:r>
-            <a:r>
-              <a:rPr lang="zh-TW" altLang="en-US" dirty="0">
-                <a:latin typeface="DejaVu Sans Condensed" panose="020B0606030804020204" pitchFamily="34" charset="0"/>
-                <a:cs typeface="DejaVu Sans Condensed" panose="020B0606030804020204" pitchFamily="34" charset="0"/>
-              </a:rPr>
               <a:t> </a:t>
             </a:r>
-            <a:endParaRPr lang="en-US" altLang="zh-TW" dirty="0" smtClean="0">
+            <a:endParaRPr lang="en-US" altLang="zh-TW" dirty="0">
               <a:latin typeface="DejaVu Sans Condensed" panose="020B0606030804020204" pitchFamily="34" charset="0"/>
               <a:cs typeface="DejaVu Sans Condensed" panose="020B0606030804020204" pitchFamily="34" charset="0"/>
             </a:endParaRPr>
           </a:p>
           <a:p>
             <a:r>
-              <a:rPr lang="en-US" altLang="zh-TW" dirty="0" err="1" smtClean="0">
+              <a:rPr lang="en-US" altLang="zh-TW" dirty="0" err="1">
                 <a:latin typeface="DejaVu Sans Condensed" panose="020B0606030804020204" pitchFamily="34" charset="0"/>
                 <a:ea typeface="DejaVu Sans Condensed" panose="020B0606030804020204" pitchFamily="34" charset="0"/>
                 <a:cs typeface="DejaVu Sans Condensed" panose="020B0606030804020204" pitchFamily="34" charset="0"/>
@@ -5000,7 +4928,7 @@
               <a:t>Git</a:t>
             </a:r>
             <a:r>
-              <a:rPr lang="en-US" altLang="zh-TW" dirty="0" smtClean="0">
+              <a:rPr lang="en-US" altLang="zh-TW" dirty="0">
                 <a:latin typeface="DejaVu Sans Condensed" panose="020B0606030804020204" pitchFamily="34" charset="0"/>
                 <a:ea typeface="DejaVu Sans Condensed" panose="020B0606030804020204" pitchFamily="34" charset="0"/>
                 <a:cs typeface="DejaVu Sans Condensed" panose="020B0606030804020204" pitchFamily="34" charset="0"/>
@@ -5008,7 +4936,7 @@
               <a:t> </a:t>
             </a:r>
             <a:r>
-              <a:rPr lang="en-US" altLang="zh-TW" dirty="0" err="1" smtClean="0">
+              <a:rPr lang="en-US" altLang="zh-TW" dirty="0" err="1">
                 <a:latin typeface="DejaVu Sans Condensed" panose="020B0606030804020204" pitchFamily="34" charset="0"/>
                 <a:ea typeface="DejaVu Sans Condensed" panose="020B0606030804020204" pitchFamily="34" charset="0"/>
                 <a:cs typeface="DejaVu Sans Condensed" panose="020B0606030804020204" pitchFamily="34" charset="0"/>
@@ -5016,7 +4944,7 @@
               <a:t>init</a:t>
             </a:r>
             <a:r>
-              <a:rPr lang="en-US" altLang="zh-TW" dirty="0" smtClean="0">
+              <a:rPr lang="en-US" altLang="zh-TW" dirty="0">
                 <a:latin typeface="DejaVu Sans Condensed" panose="020B0606030804020204" pitchFamily="34" charset="0"/>
                 <a:ea typeface="DejaVu Sans Condensed" panose="020B0606030804020204" pitchFamily="34" charset="0"/>
                 <a:cs typeface="DejaVu Sans Condensed" panose="020B0606030804020204" pitchFamily="34" charset="0"/>
@@ -5024,7 +4952,7 @@
               <a:t>(</a:t>
             </a:r>
             <a:r>
-              <a:rPr lang="zh-TW" altLang="en-US" dirty="0" smtClean="0">
+              <a:rPr lang="zh-TW" altLang="en-US" dirty="0">
                 <a:latin typeface="DejaVu Sans Condensed" panose="020B0606030804020204" pitchFamily="34" charset="0"/>
                 <a:ea typeface="DejaVu Sans Condensed" panose="020B0606030804020204" pitchFamily="34" charset="0"/>
                 <a:cs typeface="DejaVu Sans Condensed" panose="020B0606030804020204" pitchFamily="34" charset="0"/>
@@ -5032,7 +4960,7 @@
               <a:t>初始化</a:t>
             </a:r>
             <a:r>
-              <a:rPr lang="en-US" altLang="zh-TW" dirty="0" err="1" smtClean="0">
+              <a:rPr lang="en-US" altLang="zh-TW" dirty="0" err="1">
                 <a:latin typeface="DejaVu Sans Condensed" panose="020B0606030804020204" pitchFamily="34" charset="0"/>
                 <a:ea typeface="DejaVu Sans Condensed" panose="020B0606030804020204" pitchFamily="34" charset="0"/>
                 <a:cs typeface="DejaVu Sans Condensed" panose="020B0606030804020204" pitchFamily="34" charset="0"/>
@@ -5040,7 +4968,7 @@
               <a:t>git</a:t>
             </a:r>
             <a:r>
-              <a:rPr lang="en-US" altLang="zh-TW" dirty="0" smtClean="0">
+              <a:rPr lang="en-US" altLang="zh-TW" dirty="0">
                 <a:latin typeface="DejaVu Sans Condensed" panose="020B0606030804020204" pitchFamily="34" charset="0"/>
                 <a:ea typeface="DejaVu Sans Condensed" panose="020B0606030804020204" pitchFamily="34" charset="0"/>
                 <a:cs typeface="DejaVu Sans Condensed" panose="020B0606030804020204" pitchFamily="34" charset="0"/>
@@ -5050,34 +4978,34 @@
           </a:p>
           <a:p>
             <a:r>
-              <a:rPr lang="en-US" altLang="zh-TW" dirty="0" err="1" smtClean="0">
+              <a:rPr lang="en-US" altLang="zh-TW" dirty="0" err="1">
                 <a:latin typeface="DejaVu Sans Condensed" panose="020B0606030804020204" pitchFamily="34" charset="0"/>
                 <a:cs typeface="DejaVu Sans Condensed" panose="020B0606030804020204" pitchFamily="34" charset="0"/>
               </a:rPr>
               <a:t>Git</a:t>
             </a:r>
             <a:r>
-              <a:rPr lang="en-US" altLang="zh-TW" dirty="0" smtClean="0">
+              <a:rPr lang="en-US" altLang="zh-TW" dirty="0">
                 <a:latin typeface="DejaVu Sans Condensed" panose="020B0606030804020204" pitchFamily="34" charset="0"/>
                 <a:cs typeface="DejaVu Sans Condensed" panose="020B0606030804020204" pitchFamily="34" charset="0"/>
               </a:rPr>
               <a:t> status(</a:t>
             </a:r>
             <a:r>
-              <a:rPr lang="zh-TW" altLang="en-US" dirty="0" smtClean="0">
+              <a:rPr lang="zh-TW" altLang="en-US" dirty="0">
                 <a:latin typeface="DejaVu Sans Condensed" panose="020B0606030804020204" pitchFamily="34" charset="0"/>
                 <a:cs typeface="DejaVu Sans Condensed" panose="020B0606030804020204" pitchFamily="34" charset="0"/>
               </a:rPr>
               <a:t>查看目前工作狀態</a:t>
             </a:r>
             <a:r>
-              <a:rPr lang="en-US" altLang="zh-TW" dirty="0" smtClean="0">
+              <a:rPr lang="en-US" altLang="zh-TW" dirty="0">
                 <a:latin typeface="DejaVu Sans Condensed" panose="020B0606030804020204" pitchFamily="34" charset="0"/>
                 <a:cs typeface="DejaVu Sans Condensed" panose="020B0606030804020204" pitchFamily="34" charset="0"/>
               </a:rPr>
               <a:t>)</a:t>
             </a:r>
-            <a:endParaRPr lang="zh-TW" altLang="en-US" dirty="0" smtClean="0">
+            <a:endParaRPr lang="zh-TW" altLang="en-US" dirty="0">
               <a:latin typeface="DejaVu Sans Condensed" panose="020B0606030804020204" pitchFamily="34" charset="0"/>
               <a:cs typeface="DejaVu Sans Condensed" panose="020B0606030804020204" pitchFamily="34" charset="0"/>
             </a:endParaRPr>
@@ -5136,18 +5064,17 @@
           <a:lstStyle/>
           <a:p>
             <a:r>
-              <a:rPr lang="zh-TW" altLang="en-US" dirty="0" smtClean="0"/>
+              <a:rPr lang="zh-TW" altLang="en-US" dirty="0"/>
               <a:t>工作目錄</a:t>
             </a:r>
             <a:r>
-              <a:rPr lang="en-US" altLang="zh-TW" dirty="0" smtClean="0"/>
+              <a:rPr lang="en-US" altLang="zh-TW" dirty="0"/>
               <a:t>&gt;</a:t>
             </a:r>
             <a:r>
-              <a:rPr lang="zh-TW" altLang="en-US" dirty="0" smtClean="0"/>
+              <a:rPr lang="zh-TW" altLang="en-US" dirty="0"/>
               <a:t>集合區</a:t>
             </a:r>
-            <a:endParaRPr lang="zh-TW" altLang="en-US" dirty="0"/>
           </a:p>
         </p:txBody>
       </p:sp>
@@ -5167,7 +5094,7 @@
           <a:lstStyle/>
           <a:p>
             <a:r>
-              <a:rPr lang="en-US" altLang="zh-TW" dirty="0" err="1" smtClean="0">
+              <a:rPr lang="en-US" altLang="zh-TW" dirty="0" err="1">
                 <a:latin typeface="DejaVu Sans Condensed" panose="020B0606030804020204" pitchFamily="34" charset="0"/>
                 <a:ea typeface="DejaVu Sans Condensed" panose="020B0606030804020204" pitchFamily="34" charset="0"/>
                 <a:cs typeface="DejaVu Sans Condensed" panose="020B0606030804020204" pitchFamily="34" charset="0"/>
@@ -5175,7 +5102,7 @@
               <a:t>Git</a:t>
             </a:r>
             <a:r>
-              <a:rPr lang="en-US" altLang="zh-TW" dirty="0" smtClean="0">
+              <a:rPr lang="en-US" altLang="zh-TW" dirty="0">
                 <a:latin typeface="DejaVu Sans Condensed" panose="020B0606030804020204" pitchFamily="34" charset="0"/>
                 <a:ea typeface="DejaVu Sans Condensed" panose="020B0606030804020204" pitchFamily="34" charset="0"/>
                 <a:cs typeface="DejaVu Sans Condensed" panose="020B0606030804020204" pitchFamily="34" charset="0"/>
@@ -5183,7 +5110,7 @@
               <a:t> add “</a:t>
             </a:r>
             <a:r>
-              <a:rPr lang="zh-TW" altLang="en-US" dirty="0" smtClean="0">
+              <a:rPr lang="zh-TW" altLang="en-US" dirty="0">
                 <a:latin typeface="DejaVu Sans Condensed" panose="020B0606030804020204" pitchFamily="34" charset="0"/>
                 <a:ea typeface="DejaVu Sans Condensed" panose="020B0606030804020204" pitchFamily="34" charset="0"/>
                 <a:cs typeface="DejaVu Sans Condensed" panose="020B0606030804020204" pitchFamily="34" charset="0"/>
@@ -5191,7 +5118,7 @@
               <a:t>檔名</a:t>
             </a:r>
             <a:r>
-              <a:rPr lang="en-US" altLang="zh-TW" dirty="0" smtClean="0">
+              <a:rPr lang="en-US" altLang="zh-TW" dirty="0">
                 <a:latin typeface="DejaVu Sans Condensed" panose="020B0606030804020204" pitchFamily="34" charset="0"/>
                 <a:ea typeface="DejaVu Sans Condensed" panose="020B0606030804020204" pitchFamily="34" charset="0"/>
                 <a:cs typeface="DejaVu Sans Condensed" panose="020B0606030804020204" pitchFamily="34" charset="0"/>
@@ -5199,7 +5126,7 @@
               <a:t>”(</a:t>
             </a:r>
             <a:r>
-              <a:rPr lang="zh-TW" altLang="en-US" dirty="0" smtClean="0">
+              <a:rPr lang="zh-TW" altLang="en-US" dirty="0">
                 <a:latin typeface="DejaVu Sans Condensed" panose="020B0606030804020204" pitchFamily="34" charset="0"/>
                 <a:ea typeface="DejaVu Sans Condensed" panose="020B0606030804020204" pitchFamily="34" charset="0"/>
                 <a:cs typeface="DejaVu Sans Condensed" panose="020B0606030804020204" pitchFamily="34" charset="0"/>
@@ -5207,7 +5134,7 @@
               <a:t>工作目錄</a:t>
             </a:r>
             <a:r>
-              <a:rPr lang="en-US" altLang="zh-TW" dirty="0" smtClean="0">
+              <a:rPr lang="en-US" altLang="zh-TW" dirty="0">
                 <a:latin typeface="DejaVu Sans Condensed" panose="020B0606030804020204" pitchFamily="34" charset="0"/>
                 <a:ea typeface="DejaVu Sans Condensed" panose="020B0606030804020204" pitchFamily="34" charset="0"/>
                 <a:cs typeface="DejaVu Sans Condensed" panose="020B0606030804020204" pitchFamily="34" charset="0"/>
@@ -5215,7 +5142,7 @@
               <a:t>&gt;</a:t>
             </a:r>
             <a:r>
-              <a:rPr lang="zh-TW" altLang="en-US" dirty="0" smtClean="0">
+              <a:rPr lang="zh-TW" altLang="en-US" dirty="0">
                 <a:latin typeface="DejaVu Sans Condensed" panose="020B0606030804020204" pitchFamily="34" charset="0"/>
                 <a:ea typeface="DejaVu Sans Condensed" panose="020B0606030804020204" pitchFamily="34" charset="0"/>
                 <a:cs typeface="DejaVu Sans Condensed" panose="020B0606030804020204" pitchFamily="34" charset="0"/>
@@ -5223,7 +5150,7 @@
               <a:t>集合區</a:t>
             </a:r>
             <a:r>
-              <a:rPr lang="en-US" altLang="zh-TW" dirty="0" smtClean="0">
+              <a:rPr lang="en-US" altLang="zh-TW" dirty="0">
                 <a:latin typeface="DejaVu Sans Condensed" panose="020B0606030804020204" pitchFamily="34" charset="0"/>
                 <a:ea typeface="DejaVu Sans Condensed" panose="020B0606030804020204" pitchFamily="34" charset="0"/>
                 <a:cs typeface="DejaVu Sans Condensed" panose="020B0606030804020204" pitchFamily="34" charset="0"/>
@@ -5233,7 +5160,7 @@
           </a:p>
           <a:p>
             <a:r>
-              <a:rPr lang="en-US" altLang="zh-TW" dirty="0" err="1" smtClean="0">
+              <a:rPr lang="en-US" altLang="zh-TW" dirty="0" err="1">
                 <a:latin typeface="DejaVu Sans Condensed" panose="020B0606030804020204" pitchFamily="34" charset="0"/>
                 <a:ea typeface="DejaVu Sans Condensed" panose="020B0606030804020204" pitchFamily="34" charset="0"/>
                 <a:cs typeface="DejaVu Sans Condensed" panose="020B0606030804020204" pitchFamily="34" charset="0"/>
@@ -5241,7 +5168,7 @@
               <a:t>Git</a:t>
             </a:r>
             <a:r>
-              <a:rPr lang="en-US" altLang="zh-TW" dirty="0" smtClean="0">
+              <a:rPr lang="en-US" altLang="zh-TW" dirty="0">
                 <a:latin typeface="DejaVu Sans Condensed" panose="020B0606030804020204" pitchFamily="34" charset="0"/>
                 <a:ea typeface="DejaVu Sans Condensed" panose="020B0606030804020204" pitchFamily="34" charset="0"/>
                 <a:cs typeface="DejaVu Sans Condensed" panose="020B0606030804020204" pitchFamily="34" charset="0"/>
@@ -5249,7 +5176,7 @@
               <a:t> reset “</a:t>
             </a:r>
             <a:r>
-              <a:rPr lang="zh-TW" altLang="en-US" dirty="0" smtClean="0">
+              <a:rPr lang="zh-TW" altLang="en-US" dirty="0">
                 <a:latin typeface="DejaVu Sans Condensed" panose="020B0606030804020204" pitchFamily="34" charset="0"/>
                 <a:ea typeface="DejaVu Sans Condensed" panose="020B0606030804020204" pitchFamily="34" charset="0"/>
                 <a:cs typeface="DejaVu Sans Condensed" panose="020B0606030804020204" pitchFamily="34" charset="0"/>
@@ -5257,7 +5184,7 @@
               <a:t>檔名</a:t>
             </a:r>
             <a:r>
-              <a:rPr lang="en-US" altLang="zh-TW" dirty="0" smtClean="0">
+              <a:rPr lang="en-US" altLang="zh-TW" dirty="0">
                 <a:latin typeface="DejaVu Sans Condensed" panose="020B0606030804020204" pitchFamily="34" charset="0"/>
                 <a:ea typeface="DejaVu Sans Condensed" panose="020B0606030804020204" pitchFamily="34" charset="0"/>
                 <a:cs typeface="DejaVu Sans Condensed" panose="020B0606030804020204" pitchFamily="34" charset="0"/>
@@ -5265,7 +5192,7 @@
               <a:t>”(</a:t>
             </a:r>
             <a:r>
-              <a:rPr lang="zh-TW" altLang="en-US" dirty="0" smtClean="0">
+              <a:rPr lang="zh-TW" altLang="en-US" dirty="0">
                 <a:latin typeface="DejaVu Sans Condensed" panose="020B0606030804020204" pitchFamily="34" charset="0"/>
                 <a:ea typeface="DejaVu Sans Condensed" panose="020B0606030804020204" pitchFamily="34" charset="0"/>
                 <a:cs typeface="DejaVu Sans Condensed" panose="020B0606030804020204" pitchFamily="34" charset="0"/>
@@ -5273,7 +5200,7 @@
               <a:t>集合區</a:t>
             </a:r>
             <a:r>
-              <a:rPr lang="en-US" altLang="zh-TW" dirty="0" smtClean="0">
+              <a:rPr lang="en-US" altLang="zh-TW" dirty="0">
                 <a:latin typeface="DejaVu Sans Condensed" panose="020B0606030804020204" pitchFamily="34" charset="0"/>
                 <a:ea typeface="DejaVu Sans Condensed" panose="020B0606030804020204" pitchFamily="34" charset="0"/>
                 <a:cs typeface="DejaVu Sans Condensed" panose="020B0606030804020204" pitchFamily="34" charset="0"/>
@@ -5281,7 +5208,7 @@
               <a:t>&gt;</a:t>
             </a:r>
             <a:r>
-              <a:rPr lang="zh-TW" altLang="en-US" dirty="0" smtClean="0">
+              <a:rPr lang="zh-TW" altLang="en-US" dirty="0">
                 <a:latin typeface="DejaVu Sans Condensed" panose="020B0606030804020204" pitchFamily="34" charset="0"/>
                 <a:ea typeface="DejaVu Sans Condensed" panose="020B0606030804020204" pitchFamily="34" charset="0"/>
                 <a:cs typeface="DejaVu Sans Condensed" panose="020B0606030804020204" pitchFamily="34" charset="0"/>
@@ -5289,7 +5216,7 @@
               <a:t>工作目錄</a:t>
             </a:r>
             <a:r>
-              <a:rPr lang="en-US" altLang="zh-TW" dirty="0" smtClean="0">
+              <a:rPr lang="en-US" altLang="zh-TW" dirty="0">
                 <a:latin typeface="DejaVu Sans Condensed" panose="020B0606030804020204" pitchFamily="34" charset="0"/>
                 <a:ea typeface="DejaVu Sans Condensed" panose="020B0606030804020204" pitchFamily="34" charset="0"/>
                 <a:cs typeface="DejaVu Sans Condensed" panose="020B0606030804020204" pitchFamily="34" charset="0"/>
@@ -5349,21 +5276,16 @@
           <a:p>
             <a:r>
               <a:rPr lang="zh-TW" altLang="en-US" dirty="0"/>
-              <a:t>集合</a:t>
-            </a:r>
-            <a:r>
-              <a:rPr lang="zh-TW" altLang="en-US" dirty="0" smtClean="0"/>
-              <a:t>區</a:t>
-            </a:r>
-            <a:r>
-              <a:rPr lang="en-US" altLang="zh-TW" dirty="0" smtClean="0"/>
+              <a:t>集合區</a:t>
+            </a:r>
+            <a:r>
+              <a:rPr lang="en-US" altLang="zh-TW" dirty="0"/>
               <a:t>&gt;</a:t>
             </a:r>
             <a:r>
-              <a:rPr lang="zh-TW" altLang="en-US" dirty="0" smtClean="0"/>
+              <a:rPr lang="zh-TW" altLang="en-US" dirty="0"/>
               <a:t>本地端</a:t>
             </a:r>
-            <a:endParaRPr lang="zh-TW" altLang="en-US" dirty="0"/>
           </a:p>
         </p:txBody>
       </p:sp>
@@ -5383,7 +5305,7 @@
           <a:lstStyle/>
           <a:p>
             <a:r>
-              <a:rPr lang="en-US" altLang="zh-TW" dirty="0" err="1" smtClean="0">
+              <a:rPr lang="en-US" altLang="zh-TW" dirty="0" err="1">
                 <a:latin typeface="DejaVu Sans Condensed" panose="020B0606030804020204" pitchFamily="34" charset="0"/>
                 <a:ea typeface="DejaVu Sans Condensed" panose="020B0606030804020204" pitchFamily="34" charset="0"/>
                 <a:cs typeface="DejaVu Sans Condensed" panose="020B0606030804020204" pitchFamily="34" charset="0"/>
@@ -5391,7 +5313,7 @@
               <a:t>Git</a:t>
             </a:r>
             <a:r>
-              <a:rPr lang="en-US" altLang="zh-TW" dirty="0" smtClean="0">
+              <a:rPr lang="en-US" altLang="zh-TW" dirty="0">
                 <a:latin typeface="DejaVu Sans Condensed" panose="020B0606030804020204" pitchFamily="34" charset="0"/>
                 <a:ea typeface="DejaVu Sans Condensed" panose="020B0606030804020204" pitchFamily="34" charset="0"/>
                 <a:cs typeface="DejaVu Sans Condensed" panose="020B0606030804020204" pitchFamily="34" charset="0"/>
@@ -5399,56 +5321,56 @@
               <a:t> commit –m “</a:t>
             </a:r>
             <a:r>
-              <a:rPr lang="zh-TW" altLang="en-US" dirty="0" smtClean="0">
+              <a:rPr lang="zh-TW" altLang="en-US" dirty="0">
                 <a:latin typeface="DejaVu Sans Condensed" panose="020B0606030804020204" pitchFamily="34" charset="0"/>
                 <a:cs typeface="DejaVu Sans Condensed" panose="020B0606030804020204" pitchFamily="34" charset="0"/>
               </a:rPr>
               <a:t>訊息”</a:t>
             </a:r>
             <a:r>
-              <a:rPr lang="en-US" altLang="zh-TW" dirty="0" smtClean="0">
+              <a:rPr lang="en-US" altLang="zh-TW" dirty="0">
                 <a:latin typeface="DejaVu Sans Condensed" panose="020B0606030804020204" pitchFamily="34" charset="0"/>
                 <a:cs typeface="DejaVu Sans Condensed" panose="020B0606030804020204" pitchFamily="34" charset="0"/>
               </a:rPr>
               <a:t>(</a:t>
             </a:r>
             <a:r>
-              <a:rPr lang="zh-TW" altLang="en-US" dirty="0" smtClean="0">
+              <a:rPr lang="zh-TW" altLang="en-US" dirty="0">
                 <a:latin typeface="DejaVu Sans Condensed" panose="020B0606030804020204" pitchFamily="34" charset="0"/>
                 <a:cs typeface="DejaVu Sans Condensed" panose="020B0606030804020204" pitchFamily="34" charset="0"/>
               </a:rPr>
               <a:t>集合區</a:t>
             </a:r>
             <a:r>
-              <a:rPr lang="en-US" altLang="zh-TW" dirty="0" smtClean="0">
+              <a:rPr lang="en-US" altLang="zh-TW" dirty="0">
                 <a:latin typeface="DejaVu Sans Condensed" panose="020B0606030804020204" pitchFamily="34" charset="0"/>
                 <a:cs typeface="DejaVu Sans Condensed" panose="020B0606030804020204" pitchFamily="34" charset="0"/>
               </a:rPr>
               <a:t>&gt;</a:t>
             </a:r>
             <a:r>
-              <a:rPr lang="zh-TW" altLang="en-US" dirty="0" smtClean="0">
+              <a:rPr lang="zh-TW" altLang="en-US" dirty="0">
                 <a:latin typeface="DejaVu Sans Condensed" panose="020B0606030804020204" pitchFamily="34" charset="0"/>
                 <a:cs typeface="DejaVu Sans Condensed" panose="020B0606030804020204" pitchFamily="34" charset="0"/>
               </a:rPr>
               <a:t>本地端</a:t>
             </a:r>
             <a:r>
-              <a:rPr lang="en-US" altLang="zh-TW" dirty="0" smtClean="0">
+              <a:rPr lang="en-US" altLang="zh-TW" dirty="0">
                 <a:latin typeface="DejaVu Sans Condensed" panose="020B0606030804020204" pitchFamily="34" charset="0"/>
                 <a:cs typeface="DejaVu Sans Condensed" panose="020B0606030804020204" pitchFamily="34" charset="0"/>
               </a:rPr>
               <a:t>,</a:t>
             </a:r>
             <a:r>
-              <a:rPr lang="zh-TW" altLang="en-US" dirty="0" smtClean="0">
+              <a:rPr lang="zh-TW" altLang="en-US" dirty="0">
                 <a:latin typeface="DejaVu Sans Condensed" panose="020B0606030804020204" pitchFamily="34" charset="0"/>
                 <a:cs typeface="DejaVu Sans Condensed" panose="020B0606030804020204" pitchFamily="34" charset="0"/>
               </a:rPr>
               <a:t>產生新的版本號</a:t>
             </a:r>
             <a:r>
-              <a:rPr lang="en-US" altLang="zh-TW" dirty="0" smtClean="0">
+              <a:rPr lang="en-US" altLang="zh-TW" dirty="0">
                 <a:latin typeface="DejaVu Sans Condensed" panose="020B0606030804020204" pitchFamily="34" charset="0"/>
                 <a:cs typeface="DejaVu Sans Condensed" panose="020B0606030804020204" pitchFamily="34" charset="0"/>
               </a:rPr>
@@ -5457,22 +5379,22 @@
           </a:p>
           <a:p>
             <a:r>
-              <a:rPr lang="en-US" altLang="zh-TW" dirty="0" smtClean="0"/>
+              <a:rPr lang="en-US" altLang="zh-TW" dirty="0"/>
               <a:t>commit</a:t>
             </a:r>
             <a:r>
-              <a:rPr lang="zh-TW" altLang="en-US" dirty="0" smtClean="0"/>
+              <a:rPr lang="zh-TW" altLang="en-US" dirty="0"/>
               <a:t>之前要先將檔案加進</a:t>
             </a:r>
             <a:r>
-              <a:rPr lang="zh-TW" altLang="en-US" dirty="0" smtClean="0">
+              <a:rPr lang="zh-TW" altLang="en-US" dirty="0">
                 <a:solidFill>
                   <a:srgbClr val="FF0000"/>
                 </a:solidFill>
               </a:rPr>
               <a:t>集合區</a:t>
             </a:r>
-            <a:endParaRPr lang="zh-TW" altLang="en-US" dirty="0" smtClean="0">
+            <a:endParaRPr lang="zh-TW" altLang="en-US" dirty="0">
               <a:solidFill>
                 <a:srgbClr val="FF0000"/>
               </a:solidFill>
@@ -5531,10 +5453,9 @@
           <a:lstStyle/>
           <a:p>
             <a:r>
-              <a:rPr lang="zh-TW" altLang="en-US" dirty="0" smtClean="0"/>
+              <a:rPr lang="zh-TW" altLang="en-US" dirty="0"/>
               <a:t>版本切換</a:t>
             </a:r>
-            <a:endParaRPr lang="zh-TW" altLang="en-US" dirty="0"/>
           </a:p>
         </p:txBody>
       </p:sp>
@@ -5554,7 +5475,7 @@
           <a:lstStyle/>
           <a:p>
             <a:r>
-              <a:rPr lang="en-US" altLang="zh-TW" dirty="0" err="1" smtClean="0">
+              <a:rPr lang="en-US" altLang="zh-TW" dirty="0" err="1">
                 <a:latin typeface="DejaVu Sans Condensed" panose="020B0606030804020204" pitchFamily="34" charset="0"/>
                 <a:ea typeface="DejaVu Sans Condensed" panose="020B0606030804020204" pitchFamily="34" charset="0"/>
                 <a:cs typeface="DejaVu Sans Condensed" panose="020B0606030804020204" pitchFamily="34" charset="0"/>
@@ -5562,7 +5483,7 @@
               <a:t>Git</a:t>
             </a:r>
             <a:r>
-              <a:rPr lang="en-US" altLang="zh-TW" dirty="0" smtClean="0">
+              <a:rPr lang="en-US" altLang="zh-TW" dirty="0">
                 <a:latin typeface="DejaVu Sans Condensed" panose="020B0606030804020204" pitchFamily="34" charset="0"/>
                 <a:ea typeface="DejaVu Sans Condensed" panose="020B0606030804020204" pitchFamily="34" charset="0"/>
                 <a:cs typeface="DejaVu Sans Condensed" panose="020B0606030804020204" pitchFamily="34" charset="0"/>
@@ -5570,7 +5491,7 @@
               <a:t> log(</a:t>
             </a:r>
             <a:r>
-              <a:rPr lang="zh-TW" altLang="en-US" dirty="0" smtClean="0">
+              <a:rPr lang="zh-TW" altLang="en-US" dirty="0">
                 <a:latin typeface="DejaVu Sans Condensed" panose="020B0606030804020204" pitchFamily="34" charset="0"/>
                 <a:ea typeface="DejaVu Sans Condensed" panose="020B0606030804020204" pitchFamily="34" charset="0"/>
                 <a:cs typeface="DejaVu Sans Condensed" panose="020B0606030804020204" pitchFamily="34" charset="0"/>
@@ -5578,7 +5499,7 @@
               <a:t>查看歷史版本</a:t>
             </a:r>
             <a:r>
-              <a:rPr lang="en-US" altLang="zh-TW" dirty="0" smtClean="0">
+              <a:rPr lang="en-US" altLang="zh-TW" dirty="0">
                 <a:latin typeface="DejaVu Sans Condensed" panose="020B0606030804020204" pitchFamily="34" charset="0"/>
                 <a:ea typeface="DejaVu Sans Condensed" panose="020B0606030804020204" pitchFamily="34" charset="0"/>
                 <a:cs typeface="DejaVu Sans Condensed" panose="020B0606030804020204" pitchFamily="34" charset="0"/>
@@ -5588,7 +5509,7 @@
           </a:p>
           <a:p>
             <a:r>
-              <a:rPr lang="en-US" altLang="zh-TW" dirty="0" err="1" smtClean="0">
+              <a:rPr lang="en-US" altLang="zh-TW" dirty="0" err="1">
                 <a:latin typeface="DejaVu Sans Condensed" panose="020B0606030804020204" pitchFamily="34" charset="0"/>
                 <a:ea typeface="DejaVu Sans Condensed" panose="020B0606030804020204" pitchFamily="34" charset="0"/>
                 <a:cs typeface="DejaVu Sans Condensed" panose="020B0606030804020204" pitchFamily="34" charset="0"/>
@@ -5596,7 +5517,7 @@
               <a:t>Git</a:t>
             </a:r>
             <a:r>
-              <a:rPr lang="en-US" altLang="zh-TW" dirty="0" smtClean="0">
+              <a:rPr lang="en-US" altLang="zh-TW" dirty="0">
                 <a:latin typeface="DejaVu Sans Condensed" panose="020B0606030804020204" pitchFamily="34" charset="0"/>
                 <a:ea typeface="DejaVu Sans Condensed" panose="020B0606030804020204" pitchFamily="34" charset="0"/>
                 <a:cs typeface="DejaVu Sans Condensed" panose="020B0606030804020204" pitchFamily="34" charset="0"/>
@@ -5604,7 +5525,7 @@
               <a:t> checkout</a:t>
             </a:r>
             <a:r>
-              <a:rPr lang="zh-TW" altLang="en-US" dirty="0" smtClean="0">
+              <a:rPr lang="zh-TW" altLang="en-US" dirty="0">
                 <a:latin typeface="DejaVu Sans Condensed" panose="020B0606030804020204" pitchFamily="34" charset="0"/>
                 <a:ea typeface="DejaVu Sans Condensed" panose="020B0606030804020204" pitchFamily="34" charset="0"/>
                 <a:cs typeface="DejaVu Sans Condensed" panose="020B0606030804020204" pitchFamily="34" charset="0"/>
@@ -5612,7 +5533,7 @@
               <a:t> </a:t>
             </a:r>
             <a:r>
-              <a:rPr lang="en-US" altLang="zh-TW" dirty="0" smtClean="0">
+              <a:rPr lang="en-US" altLang="zh-TW" dirty="0">
                 <a:latin typeface="DejaVu Sans Condensed" panose="020B0606030804020204" pitchFamily="34" charset="0"/>
                 <a:ea typeface="DejaVu Sans Condensed" panose="020B0606030804020204" pitchFamily="34" charset="0"/>
                 <a:cs typeface="DejaVu Sans Condensed" panose="020B0606030804020204" pitchFamily="34" charset="0"/>
@@ -5620,7 +5541,7 @@
               <a:t>“</a:t>
             </a:r>
             <a:r>
-              <a:rPr lang="zh-TW" altLang="en-US" dirty="0" smtClean="0">
+              <a:rPr lang="zh-TW" altLang="en-US" dirty="0">
                 <a:latin typeface="DejaVu Sans Condensed" panose="020B0606030804020204" pitchFamily="34" charset="0"/>
                 <a:ea typeface="DejaVu Sans Condensed" panose="020B0606030804020204" pitchFamily="34" charset="0"/>
                 <a:cs typeface="DejaVu Sans Condensed" panose="020B0606030804020204" pitchFamily="34" charset="0"/>
@@ -5628,7 +5549,7 @@
               <a:t>版本號</a:t>
             </a:r>
             <a:r>
-              <a:rPr lang="en-US" altLang="zh-TW" dirty="0" smtClean="0">
+              <a:rPr lang="en-US" altLang="zh-TW" dirty="0">
                 <a:latin typeface="DejaVu Sans Condensed" panose="020B0606030804020204" pitchFamily="34" charset="0"/>
                 <a:ea typeface="DejaVu Sans Condensed" panose="020B0606030804020204" pitchFamily="34" charset="0"/>
                 <a:cs typeface="DejaVu Sans Condensed" panose="020B0606030804020204" pitchFamily="34" charset="0"/>
@@ -5636,7 +5557,7 @@
               <a:t>”(</a:t>
             </a:r>
             <a:r>
-              <a:rPr lang="zh-TW" altLang="en-US" dirty="0" smtClean="0">
+              <a:rPr lang="zh-TW" altLang="en-US" dirty="0">
                 <a:latin typeface="DejaVu Sans Condensed" panose="020B0606030804020204" pitchFamily="34" charset="0"/>
                 <a:ea typeface="DejaVu Sans Condensed" panose="020B0606030804020204" pitchFamily="34" charset="0"/>
                 <a:cs typeface="DejaVu Sans Condensed" panose="020B0606030804020204" pitchFamily="34" charset="0"/>
@@ -5644,7 +5565,7 @@
               <a:t>切換版本</a:t>
             </a:r>
             <a:r>
-              <a:rPr lang="en-US" altLang="zh-TW" dirty="0" smtClean="0">
+              <a:rPr lang="en-US" altLang="zh-TW" dirty="0">
                 <a:latin typeface="DejaVu Sans Condensed" panose="020B0606030804020204" pitchFamily="34" charset="0"/>
                 <a:ea typeface="DejaVu Sans Condensed" panose="020B0606030804020204" pitchFamily="34" charset="0"/>
                 <a:cs typeface="DejaVu Sans Condensed" panose="020B0606030804020204" pitchFamily="34" charset="0"/>
@@ -5654,22 +5575,22 @@
           </a:p>
           <a:p>
             <a:r>
-              <a:rPr lang="en-US" altLang="zh-TW" dirty="0" err="1" smtClean="0"/>
+              <a:rPr lang="en-US" altLang="zh-TW" dirty="0" err="1"/>
               <a:t>git</a:t>
             </a:r>
             <a:r>
-              <a:rPr lang="en-US" altLang="zh-TW" dirty="0" smtClean="0"/>
+              <a:rPr lang="en-US" altLang="zh-TW" dirty="0"/>
               <a:t> checkout HEAD~ (</a:t>
             </a:r>
             <a:r>
-              <a:rPr lang="zh-TW" altLang="en-US" dirty="0" smtClean="0"/>
+              <a:rPr lang="zh-TW" altLang="en-US" dirty="0"/>
               <a:t>回到上一個版本</a:t>
             </a:r>
             <a:r>
-              <a:rPr lang="en-US" altLang="zh-TW" dirty="0" smtClean="0"/>
+              <a:rPr lang="en-US" altLang="zh-TW" dirty="0"/>
               <a:t>)</a:t>
             </a:r>
-            <a:endParaRPr lang="en-US" altLang="zh-TW" dirty="0" smtClean="0">
+            <a:endParaRPr lang="en-US" altLang="zh-TW" dirty="0">
               <a:latin typeface="DejaVu Sans Condensed" panose="020B0606030804020204" pitchFamily="34" charset="0"/>
               <a:ea typeface="DejaVu Sans Condensed" panose="020B0606030804020204" pitchFamily="34" charset="0"/>
               <a:cs typeface="DejaVu Sans Condensed" panose="020B0606030804020204" pitchFamily="34" charset="0"/>
@@ -5677,27 +5598,27 @@
           </a:p>
           <a:p>
             <a:r>
-              <a:rPr lang="en-US" altLang="zh-TW" dirty="0" err="1" smtClean="0"/>
+              <a:rPr lang="en-US" altLang="zh-TW" dirty="0" err="1"/>
               <a:t>git</a:t>
             </a:r>
             <a:r>
-              <a:rPr lang="en-US" altLang="zh-TW" dirty="0" smtClean="0"/>
+              <a:rPr lang="en-US" altLang="zh-TW" dirty="0"/>
               <a:t> checkout HEAD~N(</a:t>
             </a:r>
             <a:r>
-              <a:rPr lang="zh-TW" altLang="en-US" dirty="0" smtClean="0"/>
+              <a:rPr lang="zh-TW" altLang="en-US" dirty="0"/>
               <a:t>回到前</a:t>
             </a:r>
             <a:r>
-              <a:rPr lang="en-US" altLang="zh-TW" dirty="0" smtClean="0"/>
+              <a:rPr lang="en-US" altLang="zh-TW" dirty="0"/>
               <a:t>N</a:t>
             </a:r>
             <a:r>
-              <a:rPr lang="zh-TW" altLang="en-US" dirty="0" smtClean="0"/>
+              <a:rPr lang="zh-TW" altLang="en-US" dirty="0"/>
               <a:t>個版本</a:t>
             </a:r>
             <a:r>
-              <a:rPr lang="en-US" altLang="zh-TW" dirty="0" smtClean="0"/>
+              <a:rPr lang="en-US" altLang="zh-TW" dirty="0"/>
               <a:t>)</a:t>
             </a:r>
             <a:endParaRPr lang="zh-TW" altLang="en-US" dirty="0"/>
